--- a/耶穌愛你_version2.pptx
+++ b/耶穌愛你_version2.pptx
@@ -2,14 +2,14 @@
 <file path=ppt/presentation.xml><?xml version="1.0" encoding="utf-8"?>
 <p:presentation xmlns:a="http://schemas.openxmlformats.org/drawingml/2006/main" xmlns:r="http://schemas.openxmlformats.org/officeDocument/2006/relationships" xmlns:p="http://schemas.openxmlformats.org/presentationml/2006/main" saveSubsetFonts="1">
   <p:sldMasterIdLst>
-    <p:sldMasterId id="2147483648" r:id="rId1"/>
+    <p:sldMasterId id="2147483660" r:id="rId1"/>
   </p:sldMasterIdLst>
   <p:sldIdLst>
     <p:sldId id="257" r:id="rId2"/>
     <p:sldId id="258" r:id="rId3"/>
     <p:sldId id="259" r:id="rId4"/>
   </p:sldIdLst>
-  <p:sldSz cx="9144000" cy="6858000" type="screen4x3"/>
+  <p:sldSz cx="12192000" cy="6858000"/>
   <p:notesSz cx="6858000" cy="9144000"/>
   <p:defaultTextStyle>
     <a:defPPr>
@@ -106,6 +106,22 @@
       </a:defRPr>
     </a:lvl9pPr>
   </p:defaultTextStyle>
+  <p:extLst>
+    <p:ext uri="{EFAFB233-063F-42B5-8137-9DF3F51BA10A}">
+      <p15:sldGuideLst xmlns:p15="http://schemas.microsoft.com/office/powerpoint/2012/main">
+        <p15:guide id="1" orient="horz" pos="2160" userDrawn="1">
+          <p15:clr>
+            <a:srgbClr val="A4A3A4"/>
+          </p15:clr>
+        </p15:guide>
+        <p15:guide id="2" pos="3840" userDrawn="1">
+          <p15:clr>
+            <a:srgbClr val="A4A3A4"/>
+          </p15:clr>
+        </p15:guide>
+      </p15:sldGuideLst>
+    </p:ext>
+  </p:extLst>
 </p:presentation>
 </file>
 
@@ -138,8 +154,8 @@
         </p:nvSpPr>
         <p:spPr>
           <a:xfrm>
-            <a:off x="685800" y="2130425"/>
-            <a:ext cx="7772400" cy="1470025"/>
+            <a:off x="914400" y="2130428"/>
+            <a:ext cx="10363200" cy="1470025"/>
           </a:xfrm>
         </p:spPr>
         <p:txBody>
@@ -147,8 +163,8 @@
           <a:lstStyle/>
           <a:p>
             <a:r>
-              <a:rPr lang="zh-TW" altLang="en-US" smtClean="0"/>
-              <a:t>按一下以編輯母片標題樣式</a:t>
+              <a:rPr lang="en-US" altLang="zh-TW" smtClean="0"/>
+              <a:t>Click to edit Master title style</a:t>
             </a:r>
             <a:endParaRPr lang="zh-TW" altLang="en-US"/>
           </a:p>
@@ -166,8 +182,8 @@
         </p:nvSpPr>
         <p:spPr>
           <a:xfrm>
-            <a:off x="1371600" y="3886200"/>
-            <a:ext cx="6400800" cy="1752600"/>
+            <a:off x="1828800" y="3886200"/>
+            <a:ext cx="8534400" cy="1752600"/>
           </a:xfrm>
         </p:spPr>
         <p:txBody>
@@ -183,7 +199,7 @@
                 </a:solidFill>
               </a:defRPr>
             </a:lvl1pPr>
-            <a:lvl2pPr marL="457200" indent="0" algn="ctr">
+            <a:lvl2pPr marL="457189" indent="0" algn="ctr">
               <a:buNone/>
               <a:defRPr>
                 <a:solidFill>
@@ -193,7 +209,7 @@
                 </a:solidFill>
               </a:defRPr>
             </a:lvl2pPr>
-            <a:lvl3pPr marL="914400" indent="0" algn="ctr">
+            <a:lvl3pPr marL="914378" indent="0" algn="ctr">
               <a:buNone/>
               <a:defRPr>
                 <a:solidFill>
@@ -203,7 +219,7 @@
                 </a:solidFill>
               </a:defRPr>
             </a:lvl3pPr>
-            <a:lvl4pPr marL="1371600" indent="0" algn="ctr">
+            <a:lvl4pPr marL="1371566" indent="0" algn="ctr">
               <a:buNone/>
               <a:defRPr>
                 <a:solidFill>
@@ -213,7 +229,7 @@
                 </a:solidFill>
               </a:defRPr>
             </a:lvl4pPr>
-            <a:lvl5pPr marL="1828800" indent="0" algn="ctr">
+            <a:lvl5pPr marL="1828754" indent="0" algn="ctr">
               <a:buNone/>
               <a:defRPr>
                 <a:solidFill>
@@ -223,7 +239,7 @@
                 </a:solidFill>
               </a:defRPr>
             </a:lvl5pPr>
-            <a:lvl6pPr marL="2286000" indent="0" algn="ctr">
+            <a:lvl6pPr marL="2285943" indent="0" algn="ctr">
               <a:buNone/>
               <a:defRPr>
                 <a:solidFill>
@@ -233,7 +249,7 @@
                 </a:solidFill>
               </a:defRPr>
             </a:lvl6pPr>
-            <a:lvl7pPr marL="2743200" indent="0" algn="ctr">
+            <a:lvl7pPr marL="2743132" indent="0" algn="ctr">
               <a:buNone/>
               <a:defRPr>
                 <a:solidFill>
@@ -243,7 +259,7 @@
                 </a:solidFill>
               </a:defRPr>
             </a:lvl7pPr>
-            <a:lvl8pPr marL="3200400" indent="0" algn="ctr">
+            <a:lvl8pPr marL="3200320" indent="0" algn="ctr">
               <a:buNone/>
               <a:defRPr>
                 <a:solidFill>
@@ -253,7 +269,7 @@
                 </a:solidFill>
               </a:defRPr>
             </a:lvl8pPr>
-            <a:lvl9pPr marL="3657600" indent="0" algn="ctr">
+            <a:lvl9pPr marL="3657509" indent="0" algn="ctr">
               <a:buNone/>
               <a:defRPr>
                 <a:solidFill>
@@ -266,8 +282,8 @@
           </a:lstStyle>
           <a:p>
             <a:r>
-              <a:rPr lang="zh-TW" altLang="en-US" smtClean="0"/>
-              <a:t>按一下以編輯母片副標題樣式</a:t>
+              <a:rPr lang="en-US" altLang="zh-TW" smtClean="0"/>
+              <a:t>Click to edit Master subtitle style</a:t>
             </a:r>
             <a:endParaRPr lang="zh-TW" altLang="en-US"/>
           </a:p>
@@ -290,7 +306,7 @@
           <a:p>
             <a:fld id="{EB320EF2-FA3C-443D-80BF-461CEB4436F5}" type="datetimeFigureOut">
               <a:rPr lang="zh-TW" altLang="en-US" smtClean="0"/>
-              <a:t>2018/11/20</a:t>
+              <a:t>2021/12/15</a:t>
             </a:fld>
             <a:endParaRPr lang="zh-TW" altLang="en-US"/>
           </a:p>
@@ -339,6 +355,11 @@
         </p:txBody>
       </p:sp>
     </p:spTree>
+    <p:extLst>
+      <p:ext uri="{BB962C8B-B14F-4D97-AF65-F5344CB8AC3E}">
+        <p14:creationId xmlns:p14="http://schemas.microsoft.com/office/powerpoint/2010/main" val="1531180188"/>
+      </p:ext>
+    </p:extLst>
   </p:cSld>
   <p:clrMapOvr>
     <a:masterClrMapping/>
@@ -379,8 +400,8 @@
           <a:lstStyle/>
           <a:p>
             <a:r>
-              <a:rPr lang="zh-TW" altLang="en-US" smtClean="0"/>
-              <a:t>按一下以編輯母片標題樣式</a:t>
+              <a:rPr lang="en-US" altLang="zh-TW" smtClean="0"/>
+              <a:t>Click to edit Master title style</a:t>
             </a:r>
             <a:endParaRPr lang="zh-TW" altLang="en-US"/>
           </a:p>
@@ -403,36 +424,36 @@
           <a:p>
             <a:pPr lvl="0"/>
             <a:r>
-              <a:rPr lang="zh-TW" altLang="en-US" smtClean="0"/>
-              <a:t>按一下以編輯母片文字樣式</a:t>
+              <a:rPr lang="en-US" altLang="zh-TW" smtClean="0"/>
+              <a:t>Edit Master text styles</a:t>
             </a:r>
           </a:p>
           <a:p>
             <a:pPr lvl="1"/>
             <a:r>
-              <a:rPr lang="zh-TW" altLang="en-US" smtClean="0"/>
-              <a:t>第二層</a:t>
+              <a:rPr lang="en-US" altLang="zh-TW" smtClean="0"/>
+              <a:t>Second level</a:t>
             </a:r>
           </a:p>
           <a:p>
             <a:pPr lvl="2"/>
             <a:r>
-              <a:rPr lang="zh-TW" altLang="en-US" smtClean="0"/>
-              <a:t>第三層</a:t>
+              <a:rPr lang="en-US" altLang="zh-TW" smtClean="0"/>
+              <a:t>Third level</a:t>
             </a:r>
           </a:p>
           <a:p>
             <a:pPr lvl="3"/>
             <a:r>
-              <a:rPr lang="zh-TW" altLang="en-US" smtClean="0"/>
-              <a:t>第四層</a:t>
+              <a:rPr lang="en-US" altLang="zh-TW" smtClean="0"/>
+              <a:t>Fourth level</a:t>
             </a:r>
           </a:p>
           <a:p>
             <a:pPr lvl="4"/>
             <a:r>
-              <a:rPr lang="zh-TW" altLang="en-US" smtClean="0"/>
-              <a:t>第五層</a:t>
+              <a:rPr lang="en-US" altLang="zh-TW" smtClean="0"/>
+              <a:t>Fifth level</a:t>
             </a:r>
             <a:endParaRPr lang="zh-TW" altLang="en-US"/>
           </a:p>
@@ -455,7 +476,7 @@
           <a:p>
             <a:fld id="{EB320EF2-FA3C-443D-80BF-461CEB4436F5}" type="datetimeFigureOut">
               <a:rPr lang="zh-TW" altLang="en-US" smtClean="0"/>
-              <a:t>2018/11/20</a:t>
+              <a:t>2021/12/15</a:t>
             </a:fld>
             <a:endParaRPr lang="zh-TW" altLang="en-US"/>
           </a:p>
@@ -504,6 +525,11 @@
         </p:txBody>
       </p:sp>
     </p:spTree>
+    <p:extLst>
+      <p:ext uri="{BB962C8B-B14F-4D97-AF65-F5344CB8AC3E}">
+        <p14:creationId xmlns:p14="http://schemas.microsoft.com/office/powerpoint/2010/main" val="2013649143"/>
+      </p:ext>
+    </p:extLst>
   </p:cSld>
   <p:clrMapOvr>
     <a:masterClrMapping/>
@@ -540,8 +566,8 @@
         </p:nvSpPr>
         <p:spPr>
           <a:xfrm>
-            <a:off x="6629400" y="274638"/>
-            <a:ext cx="2057400" cy="5851525"/>
+            <a:off x="8839200" y="274641"/>
+            <a:ext cx="2743200" cy="5851525"/>
           </a:xfrm>
         </p:spPr>
         <p:txBody>
@@ -549,8 +575,8 @@
           <a:lstStyle/>
           <a:p>
             <a:r>
-              <a:rPr lang="zh-TW" altLang="en-US" smtClean="0"/>
-              <a:t>按一下以編輯母片標題樣式</a:t>
+              <a:rPr lang="en-US" altLang="zh-TW" smtClean="0"/>
+              <a:t>Click to edit Master title style</a:t>
             </a:r>
             <a:endParaRPr lang="zh-TW" altLang="en-US"/>
           </a:p>
@@ -568,8 +594,8 @@
         </p:nvSpPr>
         <p:spPr>
           <a:xfrm>
-            <a:off x="457200" y="274638"/>
-            <a:ext cx="6019800" cy="5851525"/>
+            <a:off x="609600" y="274641"/>
+            <a:ext cx="8026400" cy="5851525"/>
           </a:xfrm>
         </p:spPr>
         <p:txBody>
@@ -578,36 +604,36 @@
           <a:p>
             <a:pPr lvl="0"/>
             <a:r>
-              <a:rPr lang="zh-TW" altLang="en-US" smtClean="0"/>
-              <a:t>按一下以編輯母片文字樣式</a:t>
+              <a:rPr lang="en-US" altLang="zh-TW" smtClean="0"/>
+              <a:t>Edit Master text styles</a:t>
             </a:r>
           </a:p>
           <a:p>
             <a:pPr lvl="1"/>
             <a:r>
-              <a:rPr lang="zh-TW" altLang="en-US" smtClean="0"/>
-              <a:t>第二層</a:t>
+              <a:rPr lang="en-US" altLang="zh-TW" smtClean="0"/>
+              <a:t>Second level</a:t>
             </a:r>
           </a:p>
           <a:p>
             <a:pPr lvl="2"/>
             <a:r>
-              <a:rPr lang="zh-TW" altLang="en-US" smtClean="0"/>
-              <a:t>第三層</a:t>
+              <a:rPr lang="en-US" altLang="zh-TW" smtClean="0"/>
+              <a:t>Third level</a:t>
             </a:r>
           </a:p>
           <a:p>
             <a:pPr lvl="3"/>
             <a:r>
-              <a:rPr lang="zh-TW" altLang="en-US" smtClean="0"/>
-              <a:t>第四層</a:t>
+              <a:rPr lang="en-US" altLang="zh-TW" smtClean="0"/>
+              <a:t>Fourth level</a:t>
             </a:r>
           </a:p>
           <a:p>
             <a:pPr lvl="4"/>
             <a:r>
-              <a:rPr lang="zh-TW" altLang="en-US" smtClean="0"/>
-              <a:t>第五層</a:t>
+              <a:rPr lang="en-US" altLang="zh-TW" smtClean="0"/>
+              <a:t>Fifth level</a:t>
             </a:r>
             <a:endParaRPr lang="zh-TW" altLang="en-US"/>
           </a:p>
@@ -630,7 +656,7 @@
           <a:p>
             <a:fld id="{EB320EF2-FA3C-443D-80BF-461CEB4436F5}" type="datetimeFigureOut">
               <a:rPr lang="zh-TW" altLang="en-US" smtClean="0"/>
-              <a:t>2018/11/20</a:t>
+              <a:t>2021/12/15</a:t>
             </a:fld>
             <a:endParaRPr lang="zh-TW" altLang="en-US"/>
           </a:p>
@@ -679,6 +705,11 @@
         </p:txBody>
       </p:sp>
     </p:spTree>
+    <p:extLst>
+      <p:ext uri="{BB962C8B-B14F-4D97-AF65-F5344CB8AC3E}">
+        <p14:creationId xmlns:p14="http://schemas.microsoft.com/office/powerpoint/2010/main" val="2402510037"/>
+      </p:ext>
+    </p:extLst>
   </p:cSld>
   <p:clrMapOvr>
     <a:masterClrMapping/>
@@ -719,8 +750,8 @@
           <a:lstStyle/>
           <a:p>
             <a:r>
-              <a:rPr lang="zh-TW" altLang="en-US" smtClean="0"/>
-              <a:t>按一下以編輯母片標題樣式</a:t>
+              <a:rPr lang="en-US" altLang="zh-TW" smtClean="0"/>
+              <a:t>Click to edit Master title style</a:t>
             </a:r>
             <a:endParaRPr lang="zh-TW" altLang="en-US"/>
           </a:p>
@@ -743,36 +774,36 @@
           <a:p>
             <a:pPr lvl="0"/>
             <a:r>
-              <a:rPr lang="zh-TW" altLang="en-US" smtClean="0"/>
-              <a:t>按一下以編輯母片文字樣式</a:t>
+              <a:rPr lang="en-US" altLang="zh-TW" smtClean="0"/>
+              <a:t>Edit Master text styles</a:t>
             </a:r>
           </a:p>
           <a:p>
             <a:pPr lvl="1"/>
             <a:r>
-              <a:rPr lang="zh-TW" altLang="en-US" smtClean="0"/>
-              <a:t>第二層</a:t>
+              <a:rPr lang="en-US" altLang="zh-TW" smtClean="0"/>
+              <a:t>Second level</a:t>
             </a:r>
           </a:p>
           <a:p>
             <a:pPr lvl="2"/>
             <a:r>
-              <a:rPr lang="zh-TW" altLang="en-US" smtClean="0"/>
-              <a:t>第三層</a:t>
+              <a:rPr lang="en-US" altLang="zh-TW" smtClean="0"/>
+              <a:t>Third level</a:t>
             </a:r>
           </a:p>
           <a:p>
             <a:pPr lvl="3"/>
             <a:r>
-              <a:rPr lang="zh-TW" altLang="en-US" smtClean="0"/>
-              <a:t>第四層</a:t>
+              <a:rPr lang="en-US" altLang="zh-TW" smtClean="0"/>
+              <a:t>Fourth level</a:t>
             </a:r>
           </a:p>
           <a:p>
             <a:pPr lvl="4"/>
             <a:r>
-              <a:rPr lang="zh-TW" altLang="en-US" smtClean="0"/>
-              <a:t>第五層</a:t>
+              <a:rPr lang="en-US" altLang="zh-TW" smtClean="0"/>
+              <a:t>Fifth level</a:t>
             </a:r>
             <a:endParaRPr lang="zh-TW" altLang="en-US"/>
           </a:p>
@@ -795,7 +826,7 @@
           <a:p>
             <a:fld id="{EB320EF2-FA3C-443D-80BF-461CEB4436F5}" type="datetimeFigureOut">
               <a:rPr lang="zh-TW" altLang="en-US" smtClean="0"/>
-              <a:t>2018/11/20</a:t>
+              <a:t>2021/12/15</a:t>
             </a:fld>
             <a:endParaRPr lang="zh-TW" altLang="en-US"/>
           </a:p>
@@ -844,6 +875,11 @@
         </p:txBody>
       </p:sp>
     </p:spTree>
+    <p:extLst>
+      <p:ext uri="{BB962C8B-B14F-4D97-AF65-F5344CB8AC3E}">
+        <p14:creationId xmlns:p14="http://schemas.microsoft.com/office/powerpoint/2010/main" val="1481643710"/>
+      </p:ext>
+    </p:extLst>
   </p:cSld>
   <p:clrMapOvr>
     <a:masterClrMapping/>
@@ -880,8 +916,8 @@
         </p:nvSpPr>
         <p:spPr>
           <a:xfrm>
-            <a:off x="722313" y="4406900"/>
-            <a:ext cx="7772400" cy="1362075"/>
+            <a:off x="963084" y="4406903"/>
+            <a:ext cx="10363200" cy="1362075"/>
           </a:xfrm>
         </p:spPr>
         <p:txBody>
@@ -893,8 +929,8 @@
           </a:lstStyle>
           <a:p>
             <a:r>
-              <a:rPr lang="zh-TW" altLang="en-US" smtClean="0"/>
-              <a:t>按一下以編輯母片標題樣式</a:t>
+              <a:rPr lang="en-US" altLang="zh-TW" smtClean="0"/>
+              <a:t>Click to edit Master title style</a:t>
             </a:r>
             <a:endParaRPr lang="zh-TW" altLang="en-US"/>
           </a:p>
@@ -912,8 +948,8 @@
         </p:nvSpPr>
         <p:spPr>
           <a:xfrm>
-            <a:off x="722313" y="2906713"/>
-            <a:ext cx="7772400" cy="1500187"/>
+            <a:off x="963084" y="2906713"/>
+            <a:ext cx="10363200" cy="1500187"/>
           </a:xfrm>
         </p:spPr>
         <p:txBody>
@@ -929,7 +965,7 @@
                 </a:solidFill>
               </a:defRPr>
             </a:lvl1pPr>
-            <a:lvl2pPr marL="457200" indent="0">
+            <a:lvl2pPr marL="457189" indent="0">
               <a:buNone/>
               <a:defRPr sz="1800">
                 <a:solidFill>
@@ -939,7 +975,7 @@
                 </a:solidFill>
               </a:defRPr>
             </a:lvl2pPr>
-            <a:lvl3pPr marL="914400" indent="0">
+            <a:lvl3pPr marL="914378" indent="0">
               <a:buNone/>
               <a:defRPr sz="1600">
                 <a:solidFill>
@@ -949,7 +985,7 @@
                 </a:solidFill>
               </a:defRPr>
             </a:lvl3pPr>
-            <a:lvl4pPr marL="1371600" indent="0">
+            <a:lvl4pPr marL="1371566" indent="0">
               <a:buNone/>
               <a:defRPr sz="1400">
                 <a:solidFill>
@@ -959,7 +995,7 @@
                 </a:solidFill>
               </a:defRPr>
             </a:lvl4pPr>
-            <a:lvl5pPr marL="1828800" indent="0">
+            <a:lvl5pPr marL="1828754" indent="0">
               <a:buNone/>
               <a:defRPr sz="1400">
                 <a:solidFill>
@@ -969,7 +1005,7 @@
                 </a:solidFill>
               </a:defRPr>
             </a:lvl5pPr>
-            <a:lvl6pPr marL="2286000" indent="0">
+            <a:lvl6pPr marL="2285943" indent="0">
               <a:buNone/>
               <a:defRPr sz="1400">
                 <a:solidFill>
@@ -979,7 +1015,7 @@
                 </a:solidFill>
               </a:defRPr>
             </a:lvl6pPr>
-            <a:lvl7pPr marL="2743200" indent="0">
+            <a:lvl7pPr marL="2743132" indent="0">
               <a:buNone/>
               <a:defRPr sz="1400">
                 <a:solidFill>
@@ -989,7 +1025,7 @@
                 </a:solidFill>
               </a:defRPr>
             </a:lvl7pPr>
-            <a:lvl8pPr marL="3200400" indent="0">
+            <a:lvl8pPr marL="3200320" indent="0">
               <a:buNone/>
               <a:defRPr sz="1400">
                 <a:solidFill>
@@ -999,7 +1035,7 @@
                 </a:solidFill>
               </a:defRPr>
             </a:lvl8pPr>
-            <a:lvl9pPr marL="3657600" indent="0">
+            <a:lvl9pPr marL="3657509" indent="0">
               <a:buNone/>
               <a:defRPr sz="1400">
                 <a:solidFill>
@@ -1013,8 +1049,8 @@
           <a:p>
             <a:pPr lvl="0"/>
             <a:r>
-              <a:rPr lang="zh-TW" altLang="en-US" smtClean="0"/>
-              <a:t>按一下以編輯母片文字樣式</a:t>
+              <a:rPr lang="en-US" altLang="zh-TW" smtClean="0"/>
+              <a:t>Edit Master text styles</a:t>
             </a:r>
           </a:p>
         </p:txBody>
@@ -1036,7 +1072,7 @@
           <a:p>
             <a:fld id="{EB320EF2-FA3C-443D-80BF-461CEB4436F5}" type="datetimeFigureOut">
               <a:rPr lang="zh-TW" altLang="en-US" smtClean="0"/>
-              <a:t>2018/11/20</a:t>
+              <a:t>2021/12/15</a:t>
             </a:fld>
             <a:endParaRPr lang="zh-TW" altLang="en-US"/>
           </a:p>
@@ -1085,6 +1121,11 @@
         </p:txBody>
       </p:sp>
     </p:spTree>
+    <p:extLst>
+      <p:ext uri="{BB962C8B-B14F-4D97-AF65-F5344CB8AC3E}">
+        <p14:creationId xmlns:p14="http://schemas.microsoft.com/office/powerpoint/2010/main" val="3186811099"/>
+      </p:ext>
+    </p:extLst>
   </p:cSld>
   <p:clrMapOvr>
     <a:masterClrMapping/>
@@ -1125,8 +1166,8 @@
           <a:lstStyle/>
           <a:p>
             <a:r>
-              <a:rPr lang="zh-TW" altLang="en-US" smtClean="0"/>
-              <a:t>按一下以編輯母片標題樣式</a:t>
+              <a:rPr lang="en-US" altLang="zh-TW" smtClean="0"/>
+              <a:t>Click to edit Master title style</a:t>
             </a:r>
             <a:endParaRPr lang="zh-TW" altLang="en-US"/>
           </a:p>
@@ -1144,8 +1185,8 @@
         </p:nvSpPr>
         <p:spPr>
           <a:xfrm>
-            <a:off x="457200" y="1600200"/>
-            <a:ext cx="4038600" cy="4525963"/>
+            <a:off x="609600" y="1600203"/>
+            <a:ext cx="5384800" cy="4525963"/>
           </a:xfrm>
         </p:spPr>
         <p:txBody>
@@ -1182,36 +1223,36 @@
           <a:p>
             <a:pPr lvl="0"/>
             <a:r>
-              <a:rPr lang="zh-TW" altLang="en-US" smtClean="0"/>
-              <a:t>按一下以編輯母片文字樣式</a:t>
+              <a:rPr lang="en-US" altLang="zh-TW" smtClean="0"/>
+              <a:t>Edit Master text styles</a:t>
             </a:r>
           </a:p>
           <a:p>
             <a:pPr lvl="1"/>
             <a:r>
-              <a:rPr lang="zh-TW" altLang="en-US" smtClean="0"/>
-              <a:t>第二層</a:t>
+              <a:rPr lang="en-US" altLang="zh-TW" smtClean="0"/>
+              <a:t>Second level</a:t>
             </a:r>
           </a:p>
           <a:p>
             <a:pPr lvl="2"/>
             <a:r>
-              <a:rPr lang="zh-TW" altLang="en-US" smtClean="0"/>
-              <a:t>第三層</a:t>
+              <a:rPr lang="en-US" altLang="zh-TW" smtClean="0"/>
+              <a:t>Third level</a:t>
             </a:r>
           </a:p>
           <a:p>
             <a:pPr lvl="3"/>
             <a:r>
-              <a:rPr lang="zh-TW" altLang="en-US" smtClean="0"/>
-              <a:t>第四層</a:t>
+              <a:rPr lang="en-US" altLang="zh-TW" smtClean="0"/>
+              <a:t>Fourth level</a:t>
             </a:r>
           </a:p>
           <a:p>
             <a:pPr lvl="4"/>
             <a:r>
-              <a:rPr lang="zh-TW" altLang="en-US" smtClean="0"/>
-              <a:t>第五層</a:t>
+              <a:rPr lang="en-US" altLang="zh-TW" smtClean="0"/>
+              <a:t>Fifth level</a:t>
             </a:r>
             <a:endParaRPr lang="zh-TW" altLang="en-US"/>
           </a:p>
@@ -1229,8 +1270,8 @@
         </p:nvSpPr>
         <p:spPr>
           <a:xfrm>
-            <a:off x="4648200" y="1600200"/>
-            <a:ext cx="4038600" cy="4525963"/>
+            <a:off x="6197600" y="1600203"/>
+            <a:ext cx="5384800" cy="4525963"/>
           </a:xfrm>
         </p:spPr>
         <p:txBody>
@@ -1267,36 +1308,36 @@
           <a:p>
             <a:pPr lvl="0"/>
             <a:r>
-              <a:rPr lang="zh-TW" altLang="en-US" smtClean="0"/>
-              <a:t>按一下以編輯母片文字樣式</a:t>
+              <a:rPr lang="en-US" altLang="zh-TW" smtClean="0"/>
+              <a:t>Edit Master text styles</a:t>
             </a:r>
           </a:p>
           <a:p>
             <a:pPr lvl="1"/>
             <a:r>
-              <a:rPr lang="zh-TW" altLang="en-US" smtClean="0"/>
-              <a:t>第二層</a:t>
+              <a:rPr lang="en-US" altLang="zh-TW" smtClean="0"/>
+              <a:t>Second level</a:t>
             </a:r>
           </a:p>
           <a:p>
             <a:pPr lvl="2"/>
             <a:r>
-              <a:rPr lang="zh-TW" altLang="en-US" smtClean="0"/>
-              <a:t>第三層</a:t>
+              <a:rPr lang="en-US" altLang="zh-TW" smtClean="0"/>
+              <a:t>Third level</a:t>
             </a:r>
           </a:p>
           <a:p>
             <a:pPr lvl="3"/>
             <a:r>
-              <a:rPr lang="zh-TW" altLang="en-US" smtClean="0"/>
-              <a:t>第四層</a:t>
+              <a:rPr lang="en-US" altLang="zh-TW" smtClean="0"/>
+              <a:t>Fourth level</a:t>
             </a:r>
           </a:p>
           <a:p>
             <a:pPr lvl="4"/>
             <a:r>
-              <a:rPr lang="zh-TW" altLang="en-US" smtClean="0"/>
-              <a:t>第五層</a:t>
+              <a:rPr lang="en-US" altLang="zh-TW" smtClean="0"/>
+              <a:t>Fifth level</a:t>
             </a:r>
             <a:endParaRPr lang="zh-TW" altLang="en-US"/>
           </a:p>
@@ -1319,7 +1360,7 @@
           <a:p>
             <a:fld id="{EB320EF2-FA3C-443D-80BF-461CEB4436F5}" type="datetimeFigureOut">
               <a:rPr lang="zh-TW" altLang="en-US" smtClean="0"/>
-              <a:t>2018/11/20</a:t>
+              <a:t>2021/12/15</a:t>
             </a:fld>
             <a:endParaRPr lang="zh-TW" altLang="en-US"/>
           </a:p>
@@ -1368,6 +1409,11 @@
         </p:txBody>
       </p:sp>
     </p:spTree>
+    <p:extLst>
+      <p:ext uri="{BB962C8B-B14F-4D97-AF65-F5344CB8AC3E}">
+        <p14:creationId xmlns:p14="http://schemas.microsoft.com/office/powerpoint/2010/main" val="2463688353"/>
+      </p:ext>
+    </p:extLst>
   </p:cSld>
   <p:clrMapOvr>
     <a:masterClrMapping/>
@@ -1412,8 +1458,8 @@
           </a:lstStyle>
           <a:p>
             <a:r>
-              <a:rPr lang="zh-TW" altLang="en-US" smtClean="0"/>
-              <a:t>按一下以編輯母片標題樣式</a:t>
+              <a:rPr lang="en-US" altLang="zh-TW" smtClean="0"/>
+              <a:t>Click to edit Master title style</a:t>
             </a:r>
             <a:endParaRPr lang="zh-TW" altLang="en-US"/>
           </a:p>
@@ -1431,8 +1477,8 @@
         </p:nvSpPr>
         <p:spPr>
           <a:xfrm>
-            <a:off x="457200" y="1535113"/>
-            <a:ext cx="4040188" cy="639762"/>
+            <a:off x="609600" y="1535115"/>
+            <a:ext cx="5386917" cy="639763"/>
           </a:xfrm>
         </p:spPr>
         <p:txBody>
@@ -1442,35 +1488,35 @@
               <a:buNone/>
               <a:defRPr sz="2400" b="1"/>
             </a:lvl1pPr>
-            <a:lvl2pPr marL="457200" indent="0">
+            <a:lvl2pPr marL="457189" indent="0">
               <a:buNone/>
               <a:defRPr sz="2000" b="1"/>
             </a:lvl2pPr>
-            <a:lvl3pPr marL="914400" indent="0">
+            <a:lvl3pPr marL="914378" indent="0">
               <a:buNone/>
               <a:defRPr sz="1800" b="1"/>
             </a:lvl3pPr>
-            <a:lvl4pPr marL="1371600" indent="0">
+            <a:lvl4pPr marL="1371566" indent="0">
               <a:buNone/>
               <a:defRPr sz="1600" b="1"/>
             </a:lvl4pPr>
-            <a:lvl5pPr marL="1828800" indent="0">
+            <a:lvl5pPr marL="1828754" indent="0">
               <a:buNone/>
               <a:defRPr sz="1600" b="1"/>
             </a:lvl5pPr>
-            <a:lvl6pPr marL="2286000" indent="0">
+            <a:lvl6pPr marL="2285943" indent="0">
               <a:buNone/>
               <a:defRPr sz="1600" b="1"/>
             </a:lvl6pPr>
-            <a:lvl7pPr marL="2743200" indent="0">
+            <a:lvl7pPr marL="2743132" indent="0">
               <a:buNone/>
               <a:defRPr sz="1600" b="1"/>
             </a:lvl7pPr>
-            <a:lvl8pPr marL="3200400" indent="0">
+            <a:lvl8pPr marL="3200320" indent="0">
               <a:buNone/>
               <a:defRPr sz="1600" b="1"/>
             </a:lvl8pPr>
-            <a:lvl9pPr marL="3657600" indent="0">
+            <a:lvl9pPr marL="3657509" indent="0">
               <a:buNone/>
               <a:defRPr sz="1600" b="1"/>
             </a:lvl9pPr>
@@ -1478,8 +1524,8 @@
           <a:p>
             <a:pPr lvl="0"/>
             <a:r>
-              <a:rPr lang="zh-TW" altLang="en-US" smtClean="0"/>
-              <a:t>按一下以編輯母片文字樣式</a:t>
+              <a:rPr lang="en-US" altLang="zh-TW" smtClean="0"/>
+              <a:t>Edit Master text styles</a:t>
             </a:r>
           </a:p>
         </p:txBody>
@@ -1496,8 +1542,8 @@
         </p:nvSpPr>
         <p:spPr>
           <a:xfrm>
-            <a:off x="457200" y="2174875"/>
-            <a:ext cx="4040188" cy="3951288"/>
+            <a:off x="609600" y="2174875"/>
+            <a:ext cx="5386917" cy="3951288"/>
           </a:xfrm>
         </p:spPr>
         <p:txBody>
@@ -1534,36 +1580,36 @@
           <a:p>
             <a:pPr lvl="0"/>
             <a:r>
-              <a:rPr lang="zh-TW" altLang="en-US" smtClean="0"/>
-              <a:t>按一下以編輯母片文字樣式</a:t>
+              <a:rPr lang="en-US" altLang="zh-TW" smtClean="0"/>
+              <a:t>Edit Master text styles</a:t>
             </a:r>
           </a:p>
           <a:p>
             <a:pPr lvl="1"/>
             <a:r>
-              <a:rPr lang="zh-TW" altLang="en-US" smtClean="0"/>
-              <a:t>第二層</a:t>
+              <a:rPr lang="en-US" altLang="zh-TW" smtClean="0"/>
+              <a:t>Second level</a:t>
             </a:r>
           </a:p>
           <a:p>
             <a:pPr lvl="2"/>
             <a:r>
-              <a:rPr lang="zh-TW" altLang="en-US" smtClean="0"/>
-              <a:t>第三層</a:t>
+              <a:rPr lang="en-US" altLang="zh-TW" smtClean="0"/>
+              <a:t>Third level</a:t>
             </a:r>
           </a:p>
           <a:p>
             <a:pPr lvl="3"/>
             <a:r>
-              <a:rPr lang="zh-TW" altLang="en-US" smtClean="0"/>
-              <a:t>第四層</a:t>
+              <a:rPr lang="en-US" altLang="zh-TW" smtClean="0"/>
+              <a:t>Fourth level</a:t>
             </a:r>
           </a:p>
           <a:p>
             <a:pPr lvl="4"/>
             <a:r>
-              <a:rPr lang="zh-TW" altLang="en-US" smtClean="0"/>
-              <a:t>第五層</a:t>
+              <a:rPr lang="en-US" altLang="zh-TW" smtClean="0"/>
+              <a:t>Fifth level</a:t>
             </a:r>
             <a:endParaRPr lang="zh-TW" altLang="en-US"/>
           </a:p>
@@ -1581,8 +1627,8 @@
         </p:nvSpPr>
         <p:spPr>
           <a:xfrm>
-            <a:off x="4645025" y="1535113"/>
-            <a:ext cx="4041775" cy="639762"/>
+            <a:off x="6193370" y="1535115"/>
+            <a:ext cx="5389033" cy="639763"/>
           </a:xfrm>
         </p:spPr>
         <p:txBody>
@@ -1592,35 +1638,35 @@
               <a:buNone/>
               <a:defRPr sz="2400" b="1"/>
             </a:lvl1pPr>
-            <a:lvl2pPr marL="457200" indent="0">
+            <a:lvl2pPr marL="457189" indent="0">
               <a:buNone/>
               <a:defRPr sz="2000" b="1"/>
             </a:lvl2pPr>
-            <a:lvl3pPr marL="914400" indent="0">
+            <a:lvl3pPr marL="914378" indent="0">
               <a:buNone/>
               <a:defRPr sz="1800" b="1"/>
             </a:lvl3pPr>
-            <a:lvl4pPr marL="1371600" indent="0">
+            <a:lvl4pPr marL="1371566" indent="0">
               <a:buNone/>
               <a:defRPr sz="1600" b="1"/>
             </a:lvl4pPr>
-            <a:lvl5pPr marL="1828800" indent="0">
+            <a:lvl5pPr marL="1828754" indent="0">
               <a:buNone/>
               <a:defRPr sz="1600" b="1"/>
             </a:lvl5pPr>
-            <a:lvl6pPr marL="2286000" indent="0">
+            <a:lvl6pPr marL="2285943" indent="0">
               <a:buNone/>
               <a:defRPr sz="1600" b="1"/>
             </a:lvl6pPr>
-            <a:lvl7pPr marL="2743200" indent="0">
+            <a:lvl7pPr marL="2743132" indent="0">
               <a:buNone/>
               <a:defRPr sz="1600" b="1"/>
             </a:lvl7pPr>
-            <a:lvl8pPr marL="3200400" indent="0">
+            <a:lvl8pPr marL="3200320" indent="0">
               <a:buNone/>
               <a:defRPr sz="1600" b="1"/>
             </a:lvl8pPr>
-            <a:lvl9pPr marL="3657600" indent="0">
+            <a:lvl9pPr marL="3657509" indent="0">
               <a:buNone/>
               <a:defRPr sz="1600" b="1"/>
             </a:lvl9pPr>
@@ -1628,8 +1674,8 @@
           <a:p>
             <a:pPr lvl="0"/>
             <a:r>
-              <a:rPr lang="zh-TW" altLang="en-US" smtClean="0"/>
-              <a:t>按一下以編輯母片文字樣式</a:t>
+              <a:rPr lang="en-US" altLang="zh-TW" smtClean="0"/>
+              <a:t>Edit Master text styles</a:t>
             </a:r>
           </a:p>
         </p:txBody>
@@ -1646,8 +1692,8 @@
         </p:nvSpPr>
         <p:spPr>
           <a:xfrm>
-            <a:off x="4645025" y="2174875"/>
-            <a:ext cx="4041775" cy="3951288"/>
+            <a:off x="6193370" y="2174875"/>
+            <a:ext cx="5389033" cy="3951288"/>
           </a:xfrm>
         </p:spPr>
         <p:txBody>
@@ -1684,36 +1730,36 @@
           <a:p>
             <a:pPr lvl="0"/>
             <a:r>
-              <a:rPr lang="zh-TW" altLang="en-US" smtClean="0"/>
-              <a:t>按一下以編輯母片文字樣式</a:t>
+              <a:rPr lang="en-US" altLang="zh-TW" smtClean="0"/>
+              <a:t>Edit Master text styles</a:t>
             </a:r>
           </a:p>
           <a:p>
             <a:pPr lvl="1"/>
             <a:r>
-              <a:rPr lang="zh-TW" altLang="en-US" smtClean="0"/>
-              <a:t>第二層</a:t>
+              <a:rPr lang="en-US" altLang="zh-TW" smtClean="0"/>
+              <a:t>Second level</a:t>
             </a:r>
           </a:p>
           <a:p>
             <a:pPr lvl="2"/>
             <a:r>
-              <a:rPr lang="zh-TW" altLang="en-US" smtClean="0"/>
-              <a:t>第三層</a:t>
+              <a:rPr lang="en-US" altLang="zh-TW" smtClean="0"/>
+              <a:t>Third level</a:t>
             </a:r>
           </a:p>
           <a:p>
             <a:pPr lvl="3"/>
             <a:r>
-              <a:rPr lang="zh-TW" altLang="en-US" smtClean="0"/>
-              <a:t>第四層</a:t>
+              <a:rPr lang="en-US" altLang="zh-TW" smtClean="0"/>
+              <a:t>Fourth level</a:t>
             </a:r>
           </a:p>
           <a:p>
             <a:pPr lvl="4"/>
             <a:r>
-              <a:rPr lang="zh-TW" altLang="en-US" smtClean="0"/>
-              <a:t>第五層</a:t>
+              <a:rPr lang="en-US" altLang="zh-TW" smtClean="0"/>
+              <a:t>Fifth level</a:t>
             </a:r>
             <a:endParaRPr lang="zh-TW" altLang="en-US"/>
           </a:p>
@@ -1736,7 +1782,7 @@
           <a:p>
             <a:fld id="{EB320EF2-FA3C-443D-80BF-461CEB4436F5}" type="datetimeFigureOut">
               <a:rPr lang="zh-TW" altLang="en-US" smtClean="0"/>
-              <a:t>2018/11/20</a:t>
+              <a:t>2021/12/15</a:t>
             </a:fld>
             <a:endParaRPr lang="zh-TW" altLang="en-US"/>
           </a:p>
@@ -1785,6 +1831,11 @@
         </p:txBody>
       </p:sp>
     </p:spTree>
+    <p:extLst>
+      <p:ext uri="{BB962C8B-B14F-4D97-AF65-F5344CB8AC3E}">
+        <p14:creationId xmlns:p14="http://schemas.microsoft.com/office/powerpoint/2010/main" val="756457225"/>
+      </p:ext>
+    </p:extLst>
   </p:cSld>
   <p:clrMapOvr>
     <a:masterClrMapping/>
@@ -1825,8 +1876,8 @@
           <a:lstStyle/>
           <a:p>
             <a:r>
-              <a:rPr lang="zh-TW" altLang="en-US" smtClean="0"/>
-              <a:t>按一下以編輯母片標題樣式</a:t>
+              <a:rPr lang="en-US" altLang="zh-TW" smtClean="0"/>
+              <a:t>Click to edit Master title style</a:t>
             </a:r>
             <a:endParaRPr lang="zh-TW" altLang="en-US"/>
           </a:p>
@@ -1849,7 +1900,7 @@
           <a:p>
             <a:fld id="{EB320EF2-FA3C-443D-80BF-461CEB4436F5}" type="datetimeFigureOut">
               <a:rPr lang="zh-TW" altLang="en-US" smtClean="0"/>
-              <a:t>2018/11/20</a:t>
+              <a:t>2021/12/15</a:t>
             </a:fld>
             <a:endParaRPr lang="zh-TW" altLang="en-US"/>
           </a:p>
@@ -1898,6 +1949,11 @@
         </p:txBody>
       </p:sp>
     </p:spTree>
+    <p:extLst>
+      <p:ext uri="{BB962C8B-B14F-4D97-AF65-F5344CB8AC3E}">
+        <p14:creationId xmlns:p14="http://schemas.microsoft.com/office/powerpoint/2010/main" val="1511965282"/>
+      </p:ext>
+    </p:extLst>
   </p:cSld>
   <p:clrMapOvr>
     <a:masterClrMapping/>
@@ -1939,7 +1995,7 @@
           <a:p>
             <a:fld id="{EB320EF2-FA3C-443D-80BF-461CEB4436F5}" type="datetimeFigureOut">
               <a:rPr lang="zh-TW" altLang="en-US" smtClean="0"/>
-              <a:t>2018/11/20</a:t>
+              <a:t>2021/12/15</a:t>
             </a:fld>
             <a:endParaRPr lang="zh-TW" altLang="en-US"/>
           </a:p>
@@ -1988,6 +2044,11 @@
         </p:txBody>
       </p:sp>
     </p:spTree>
+    <p:extLst>
+      <p:ext uri="{BB962C8B-B14F-4D97-AF65-F5344CB8AC3E}">
+        <p14:creationId xmlns:p14="http://schemas.microsoft.com/office/powerpoint/2010/main" val="2538381934"/>
+      </p:ext>
+    </p:extLst>
   </p:cSld>
   <p:clrMapOvr>
     <a:masterClrMapping/>
@@ -2024,8 +2085,8 @@
         </p:nvSpPr>
         <p:spPr>
           <a:xfrm>
-            <a:off x="457200" y="273050"/>
-            <a:ext cx="3008313" cy="1162050"/>
+            <a:off x="609603" y="273051"/>
+            <a:ext cx="4011084" cy="1162051"/>
           </a:xfrm>
         </p:spPr>
         <p:txBody>
@@ -2037,8 +2098,8 @@
           </a:lstStyle>
           <a:p>
             <a:r>
-              <a:rPr lang="zh-TW" altLang="en-US" smtClean="0"/>
-              <a:t>按一下以編輯母片標題樣式</a:t>
+              <a:rPr lang="en-US" altLang="zh-TW" smtClean="0"/>
+              <a:t>Click to edit Master title style</a:t>
             </a:r>
             <a:endParaRPr lang="zh-TW" altLang="en-US"/>
           </a:p>
@@ -2056,8 +2117,8 @@
         </p:nvSpPr>
         <p:spPr>
           <a:xfrm>
-            <a:off x="3575050" y="273050"/>
-            <a:ext cx="5111750" cy="5853113"/>
+            <a:off x="4766733" y="273054"/>
+            <a:ext cx="6815667" cy="5853113"/>
           </a:xfrm>
         </p:spPr>
         <p:txBody>
@@ -2094,36 +2155,36 @@
           <a:p>
             <a:pPr lvl="0"/>
             <a:r>
-              <a:rPr lang="zh-TW" altLang="en-US" smtClean="0"/>
-              <a:t>按一下以編輯母片文字樣式</a:t>
+              <a:rPr lang="en-US" altLang="zh-TW" smtClean="0"/>
+              <a:t>Edit Master text styles</a:t>
             </a:r>
           </a:p>
           <a:p>
             <a:pPr lvl="1"/>
             <a:r>
-              <a:rPr lang="zh-TW" altLang="en-US" smtClean="0"/>
-              <a:t>第二層</a:t>
+              <a:rPr lang="en-US" altLang="zh-TW" smtClean="0"/>
+              <a:t>Second level</a:t>
             </a:r>
           </a:p>
           <a:p>
             <a:pPr lvl="2"/>
             <a:r>
-              <a:rPr lang="zh-TW" altLang="en-US" smtClean="0"/>
-              <a:t>第三層</a:t>
+              <a:rPr lang="en-US" altLang="zh-TW" smtClean="0"/>
+              <a:t>Third level</a:t>
             </a:r>
           </a:p>
           <a:p>
             <a:pPr lvl="3"/>
             <a:r>
-              <a:rPr lang="zh-TW" altLang="en-US" smtClean="0"/>
-              <a:t>第四層</a:t>
+              <a:rPr lang="en-US" altLang="zh-TW" smtClean="0"/>
+              <a:t>Fourth level</a:t>
             </a:r>
           </a:p>
           <a:p>
             <a:pPr lvl="4"/>
             <a:r>
-              <a:rPr lang="zh-TW" altLang="en-US" smtClean="0"/>
-              <a:t>第五層</a:t>
+              <a:rPr lang="en-US" altLang="zh-TW" smtClean="0"/>
+              <a:t>Fifth level</a:t>
             </a:r>
             <a:endParaRPr lang="zh-TW" altLang="en-US"/>
           </a:p>
@@ -2141,8 +2202,8 @@
         </p:nvSpPr>
         <p:spPr>
           <a:xfrm>
-            <a:off x="457200" y="1435100"/>
-            <a:ext cx="3008313" cy="4691063"/>
+            <a:off x="609603" y="1435103"/>
+            <a:ext cx="4011084" cy="4691063"/>
           </a:xfrm>
         </p:spPr>
         <p:txBody>
@@ -2152,35 +2213,35 @@
               <a:buNone/>
               <a:defRPr sz="1400"/>
             </a:lvl1pPr>
-            <a:lvl2pPr marL="457200" indent="0">
+            <a:lvl2pPr marL="457189" indent="0">
               <a:buNone/>
               <a:defRPr sz="1200"/>
             </a:lvl2pPr>
-            <a:lvl3pPr marL="914400" indent="0">
+            <a:lvl3pPr marL="914378" indent="0">
               <a:buNone/>
               <a:defRPr sz="1000"/>
             </a:lvl3pPr>
-            <a:lvl4pPr marL="1371600" indent="0">
+            <a:lvl4pPr marL="1371566" indent="0">
               <a:buNone/>
               <a:defRPr sz="900"/>
             </a:lvl4pPr>
-            <a:lvl5pPr marL="1828800" indent="0">
+            <a:lvl5pPr marL="1828754" indent="0">
               <a:buNone/>
               <a:defRPr sz="900"/>
             </a:lvl5pPr>
-            <a:lvl6pPr marL="2286000" indent="0">
+            <a:lvl6pPr marL="2285943" indent="0">
               <a:buNone/>
               <a:defRPr sz="900"/>
             </a:lvl6pPr>
-            <a:lvl7pPr marL="2743200" indent="0">
+            <a:lvl7pPr marL="2743132" indent="0">
               <a:buNone/>
               <a:defRPr sz="900"/>
             </a:lvl7pPr>
-            <a:lvl8pPr marL="3200400" indent="0">
+            <a:lvl8pPr marL="3200320" indent="0">
               <a:buNone/>
               <a:defRPr sz="900"/>
             </a:lvl8pPr>
-            <a:lvl9pPr marL="3657600" indent="0">
+            <a:lvl9pPr marL="3657509" indent="0">
               <a:buNone/>
               <a:defRPr sz="900"/>
             </a:lvl9pPr>
@@ -2188,8 +2249,8 @@
           <a:p>
             <a:pPr lvl="0"/>
             <a:r>
-              <a:rPr lang="zh-TW" altLang="en-US" smtClean="0"/>
-              <a:t>按一下以編輯母片文字樣式</a:t>
+              <a:rPr lang="en-US" altLang="zh-TW" smtClean="0"/>
+              <a:t>Edit Master text styles</a:t>
             </a:r>
           </a:p>
         </p:txBody>
@@ -2211,7 +2272,7 @@
           <a:p>
             <a:fld id="{EB320EF2-FA3C-443D-80BF-461CEB4436F5}" type="datetimeFigureOut">
               <a:rPr lang="zh-TW" altLang="en-US" smtClean="0"/>
-              <a:t>2018/11/20</a:t>
+              <a:t>2021/12/15</a:t>
             </a:fld>
             <a:endParaRPr lang="zh-TW" altLang="en-US"/>
           </a:p>
@@ -2260,6 +2321,11 @@
         </p:txBody>
       </p:sp>
     </p:spTree>
+    <p:extLst>
+      <p:ext uri="{BB962C8B-B14F-4D97-AF65-F5344CB8AC3E}">
+        <p14:creationId xmlns:p14="http://schemas.microsoft.com/office/powerpoint/2010/main" val="3626587707"/>
+      </p:ext>
+    </p:extLst>
   </p:cSld>
   <p:clrMapOvr>
     <a:masterClrMapping/>
@@ -2296,8 +2362,8 @@
         </p:nvSpPr>
         <p:spPr>
           <a:xfrm>
-            <a:off x="1792288" y="4800600"/>
-            <a:ext cx="5486400" cy="566738"/>
+            <a:off x="2389717" y="4800602"/>
+            <a:ext cx="7315200" cy="566739"/>
           </a:xfrm>
         </p:spPr>
         <p:txBody>
@@ -2309,8 +2375,8 @@
           </a:lstStyle>
           <a:p>
             <a:r>
-              <a:rPr lang="zh-TW" altLang="en-US" smtClean="0"/>
-              <a:t>按一下以編輯母片標題樣式</a:t>
+              <a:rPr lang="en-US" altLang="zh-TW" smtClean="0"/>
+              <a:t>Click to edit Master title style</a:t>
             </a:r>
             <a:endParaRPr lang="zh-TW" altLang="en-US"/>
           </a:p>
@@ -2328,8 +2394,8 @@
         </p:nvSpPr>
         <p:spPr>
           <a:xfrm>
-            <a:off x="1792288" y="612775"/>
-            <a:ext cx="5486400" cy="4114800"/>
+            <a:off x="2389717" y="612775"/>
+            <a:ext cx="7315200" cy="4114800"/>
           </a:xfrm>
         </p:spPr>
         <p:txBody>
@@ -2339,40 +2405,44 @@
               <a:buNone/>
               <a:defRPr sz="3200"/>
             </a:lvl1pPr>
-            <a:lvl2pPr marL="457200" indent="0">
+            <a:lvl2pPr marL="457189" indent="0">
               <a:buNone/>
               <a:defRPr sz="2800"/>
             </a:lvl2pPr>
-            <a:lvl3pPr marL="914400" indent="0">
+            <a:lvl3pPr marL="914378" indent="0">
               <a:buNone/>
               <a:defRPr sz="2400"/>
             </a:lvl3pPr>
-            <a:lvl4pPr marL="1371600" indent="0">
+            <a:lvl4pPr marL="1371566" indent="0">
               <a:buNone/>
               <a:defRPr sz="2000"/>
             </a:lvl4pPr>
-            <a:lvl5pPr marL="1828800" indent="0">
+            <a:lvl5pPr marL="1828754" indent="0">
               <a:buNone/>
               <a:defRPr sz="2000"/>
             </a:lvl5pPr>
-            <a:lvl6pPr marL="2286000" indent="0">
+            <a:lvl6pPr marL="2285943" indent="0">
               <a:buNone/>
               <a:defRPr sz="2000"/>
             </a:lvl6pPr>
-            <a:lvl7pPr marL="2743200" indent="0">
+            <a:lvl7pPr marL="2743132" indent="0">
               <a:buNone/>
               <a:defRPr sz="2000"/>
             </a:lvl7pPr>
-            <a:lvl8pPr marL="3200400" indent="0">
+            <a:lvl8pPr marL="3200320" indent="0">
               <a:buNone/>
               <a:defRPr sz="2000"/>
             </a:lvl8pPr>
-            <a:lvl9pPr marL="3657600" indent="0">
+            <a:lvl9pPr marL="3657509" indent="0">
               <a:buNone/>
               <a:defRPr sz="2000"/>
             </a:lvl9pPr>
           </a:lstStyle>
           <a:p>
+            <a:r>
+              <a:rPr lang="en-US" altLang="zh-TW" smtClean="0"/>
+              <a:t>Click icon to add picture</a:t>
+            </a:r>
             <a:endParaRPr lang="zh-TW" altLang="en-US"/>
           </a:p>
         </p:txBody>
@@ -2389,8 +2459,8 @@
         </p:nvSpPr>
         <p:spPr>
           <a:xfrm>
-            <a:off x="1792288" y="5367338"/>
-            <a:ext cx="5486400" cy="804862"/>
+            <a:off x="2389717" y="5367340"/>
+            <a:ext cx="7315200" cy="804863"/>
           </a:xfrm>
         </p:spPr>
         <p:txBody>
@@ -2400,35 +2470,35 @@
               <a:buNone/>
               <a:defRPr sz="1400"/>
             </a:lvl1pPr>
-            <a:lvl2pPr marL="457200" indent="0">
+            <a:lvl2pPr marL="457189" indent="0">
               <a:buNone/>
               <a:defRPr sz="1200"/>
             </a:lvl2pPr>
-            <a:lvl3pPr marL="914400" indent="0">
+            <a:lvl3pPr marL="914378" indent="0">
               <a:buNone/>
               <a:defRPr sz="1000"/>
             </a:lvl3pPr>
-            <a:lvl4pPr marL="1371600" indent="0">
+            <a:lvl4pPr marL="1371566" indent="0">
               <a:buNone/>
               <a:defRPr sz="900"/>
             </a:lvl4pPr>
-            <a:lvl5pPr marL="1828800" indent="0">
+            <a:lvl5pPr marL="1828754" indent="0">
               <a:buNone/>
               <a:defRPr sz="900"/>
             </a:lvl5pPr>
-            <a:lvl6pPr marL="2286000" indent="0">
+            <a:lvl6pPr marL="2285943" indent="0">
               <a:buNone/>
               <a:defRPr sz="900"/>
             </a:lvl6pPr>
-            <a:lvl7pPr marL="2743200" indent="0">
+            <a:lvl7pPr marL="2743132" indent="0">
               <a:buNone/>
               <a:defRPr sz="900"/>
             </a:lvl7pPr>
-            <a:lvl8pPr marL="3200400" indent="0">
+            <a:lvl8pPr marL="3200320" indent="0">
               <a:buNone/>
               <a:defRPr sz="900"/>
             </a:lvl8pPr>
-            <a:lvl9pPr marL="3657600" indent="0">
+            <a:lvl9pPr marL="3657509" indent="0">
               <a:buNone/>
               <a:defRPr sz="900"/>
             </a:lvl9pPr>
@@ -2436,8 +2506,8 @@
           <a:p>
             <a:pPr lvl="0"/>
             <a:r>
-              <a:rPr lang="zh-TW" altLang="en-US" smtClean="0"/>
-              <a:t>按一下以編輯母片文字樣式</a:t>
+              <a:rPr lang="en-US" altLang="zh-TW" smtClean="0"/>
+              <a:t>Edit Master text styles</a:t>
             </a:r>
           </a:p>
         </p:txBody>
@@ -2459,7 +2529,7 @@
           <a:p>
             <a:fld id="{EB320EF2-FA3C-443D-80BF-461CEB4436F5}" type="datetimeFigureOut">
               <a:rPr lang="zh-TW" altLang="en-US" smtClean="0"/>
-              <a:t>2018/11/20</a:t>
+              <a:t>2021/12/15</a:t>
             </a:fld>
             <a:endParaRPr lang="zh-TW" altLang="en-US"/>
           </a:p>
@@ -2508,6 +2578,11 @@
         </p:txBody>
       </p:sp>
     </p:spTree>
+    <p:extLst>
+      <p:ext uri="{BB962C8B-B14F-4D97-AF65-F5344CB8AC3E}">
+        <p14:creationId xmlns:p14="http://schemas.microsoft.com/office/powerpoint/2010/main" val="559109118"/>
+      </p:ext>
+    </p:extLst>
   </p:cSld>
   <p:clrMapOvr>
     <a:masterClrMapping/>
@@ -2519,9 +2594,14 @@
 <p:sldMaster xmlns:a="http://schemas.openxmlformats.org/drawingml/2006/main" xmlns:r="http://schemas.openxmlformats.org/officeDocument/2006/relationships" xmlns:p="http://schemas.openxmlformats.org/presentationml/2006/main">
   <p:cSld>
     <p:bg>
-      <p:bgRef idx="1001">
-        <a:schemeClr val="bg1"/>
-      </p:bgRef>
+      <p:bgPr>
+        <a:blipFill dpi="0" rotWithShape="1">
+          <a:blip r:embed="rId13"/>
+          <a:srcRect/>
+          <a:tile tx="0" ty="0" sx="100000" sy="100000" flip="none" algn="tl"/>
+        </a:blipFill>
+        <a:effectLst/>
+      </p:bgPr>
     </p:bg>
     <p:spTree>
       <p:nvGrpSpPr>
@@ -2549,8 +2629,8 @@
         </p:nvSpPr>
         <p:spPr>
           <a:xfrm>
-            <a:off x="457200" y="274638"/>
-            <a:ext cx="8229600" cy="1143000"/>
+            <a:off x="609600" y="274639"/>
+            <a:ext cx="10972800" cy="1143000"/>
           </a:xfrm>
           <a:prstGeom prst="rect">
             <a:avLst/>
@@ -2582,8 +2662,8 @@
         </p:nvSpPr>
         <p:spPr>
           <a:xfrm>
-            <a:off x="457200" y="1600200"/>
-            <a:ext cx="8229600" cy="4525963"/>
+            <a:off x="609600" y="1600203"/>
+            <a:ext cx="10972800" cy="4525963"/>
           </a:xfrm>
           <a:prstGeom prst="rect">
             <a:avLst/>
@@ -2644,8 +2724,8 @@
         </p:nvSpPr>
         <p:spPr>
           <a:xfrm>
-            <a:off x="457200" y="6356350"/>
-            <a:ext cx="2133600" cy="365125"/>
+            <a:off x="609600" y="6356353"/>
+            <a:ext cx="2844800" cy="365125"/>
           </a:xfrm>
           <a:prstGeom prst="rect">
             <a:avLst/>
@@ -2667,7 +2747,7 @@
           <a:p>
             <a:fld id="{EB320EF2-FA3C-443D-80BF-461CEB4436F5}" type="datetimeFigureOut">
               <a:rPr lang="zh-TW" altLang="en-US" smtClean="0"/>
-              <a:t>2018/11/20</a:t>
+              <a:t>2021/12/15</a:t>
             </a:fld>
             <a:endParaRPr lang="zh-TW" altLang="en-US"/>
           </a:p>
@@ -2685,8 +2765,8 @@
         </p:nvSpPr>
         <p:spPr>
           <a:xfrm>
-            <a:off x="3124200" y="6356350"/>
-            <a:ext cx="2895600" cy="365125"/>
+            <a:off x="4165600" y="6356353"/>
+            <a:ext cx="3860800" cy="365125"/>
           </a:xfrm>
           <a:prstGeom prst="rect">
             <a:avLst/>
@@ -2722,8 +2802,8 @@
         </p:nvSpPr>
         <p:spPr>
           <a:xfrm>
-            <a:off x="6553200" y="6356350"/>
-            <a:ext cx="2133600" cy="365125"/>
+            <a:off x="8737600" y="6356353"/>
+            <a:ext cx="2844800" cy="365125"/>
           </a:xfrm>
           <a:prstGeom prst="rect">
             <a:avLst/>
@@ -2752,24 +2832,29 @@
         </p:txBody>
       </p:sp>
     </p:spTree>
+    <p:extLst>
+      <p:ext uri="{BB962C8B-B14F-4D97-AF65-F5344CB8AC3E}">
+        <p14:creationId xmlns:p14="http://schemas.microsoft.com/office/powerpoint/2010/main" val="4143934114"/>
+      </p:ext>
+    </p:extLst>
   </p:cSld>
   <p:clrMap bg1="lt1" tx1="dk1" bg2="lt2" tx2="dk2" accent1="accent1" accent2="accent2" accent3="accent3" accent4="accent4" accent5="accent5" accent6="accent6" hlink="hlink" folHlink="folHlink"/>
   <p:sldLayoutIdLst>
-    <p:sldLayoutId id="2147483649" r:id="rId1"/>
-    <p:sldLayoutId id="2147483650" r:id="rId2"/>
-    <p:sldLayoutId id="2147483651" r:id="rId3"/>
-    <p:sldLayoutId id="2147483652" r:id="rId4"/>
-    <p:sldLayoutId id="2147483653" r:id="rId5"/>
-    <p:sldLayoutId id="2147483654" r:id="rId6"/>
-    <p:sldLayoutId id="2147483655" r:id="rId7"/>
-    <p:sldLayoutId id="2147483656" r:id="rId8"/>
-    <p:sldLayoutId id="2147483657" r:id="rId9"/>
-    <p:sldLayoutId id="2147483658" r:id="rId10"/>
-    <p:sldLayoutId id="2147483659" r:id="rId11"/>
+    <p:sldLayoutId id="2147483661" r:id="rId1"/>
+    <p:sldLayoutId id="2147483662" r:id="rId2"/>
+    <p:sldLayoutId id="2147483663" r:id="rId3"/>
+    <p:sldLayoutId id="2147483664" r:id="rId4"/>
+    <p:sldLayoutId id="2147483665" r:id="rId5"/>
+    <p:sldLayoutId id="2147483666" r:id="rId6"/>
+    <p:sldLayoutId id="2147483667" r:id="rId7"/>
+    <p:sldLayoutId id="2147483668" r:id="rId8"/>
+    <p:sldLayoutId id="2147483669" r:id="rId9"/>
+    <p:sldLayoutId id="2147483670" r:id="rId10"/>
+    <p:sldLayoutId id="2147483671" r:id="rId11"/>
   </p:sldLayoutIdLst>
   <p:txStyles>
     <p:titleStyle>
-      <a:lvl1pPr algn="ctr" defTabSz="914400" rtl="0" eaLnBrk="1" latinLnBrk="0" hangingPunct="1">
+      <a:lvl1pPr algn="ctr" defTabSz="914378" rtl="0" eaLnBrk="1" latinLnBrk="0" hangingPunct="1">
         <a:spcBef>
           <a:spcPct val="0"/>
         </a:spcBef>
@@ -2785,7 +2870,7 @@
       </a:lvl1pPr>
     </p:titleStyle>
     <p:bodyStyle>
-      <a:lvl1pPr marL="342900" indent="-342900" algn="l" defTabSz="914400" rtl="0" eaLnBrk="1" latinLnBrk="0" hangingPunct="1">
+      <a:lvl1pPr marL="342892" indent="-342892" algn="l" defTabSz="914378" rtl="0" eaLnBrk="1" latinLnBrk="0" hangingPunct="1">
         <a:spcBef>
           <a:spcPct val="20000"/>
         </a:spcBef>
@@ -2800,7 +2885,7 @@
           <a:cs typeface="+mn-cs"/>
         </a:defRPr>
       </a:lvl1pPr>
-      <a:lvl2pPr marL="742950" indent="-285750" algn="l" defTabSz="914400" rtl="0" eaLnBrk="1" latinLnBrk="0" hangingPunct="1">
+      <a:lvl2pPr marL="742931" indent="-285743" algn="l" defTabSz="914378" rtl="0" eaLnBrk="1" latinLnBrk="0" hangingPunct="1">
         <a:spcBef>
           <a:spcPct val="20000"/>
         </a:spcBef>
@@ -2815,7 +2900,7 @@
           <a:cs typeface="+mn-cs"/>
         </a:defRPr>
       </a:lvl2pPr>
-      <a:lvl3pPr marL="1143000" indent="-228600" algn="l" defTabSz="914400" rtl="0" eaLnBrk="1" latinLnBrk="0" hangingPunct="1">
+      <a:lvl3pPr marL="1142972" indent="-228594" algn="l" defTabSz="914378" rtl="0" eaLnBrk="1" latinLnBrk="0" hangingPunct="1">
         <a:spcBef>
           <a:spcPct val="20000"/>
         </a:spcBef>
@@ -2830,7 +2915,7 @@
           <a:cs typeface="+mn-cs"/>
         </a:defRPr>
       </a:lvl3pPr>
-      <a:lvl4pPr marL="1600200" indent="-228600" algn="l" defTabSz="914400" rtl="0" eaLnBrk="1" latinLnBrk="0" hangingPunct="1">
+      <a:lvl4pPr marL="1600160" indent="-228594" algn="l" defTabSz="914378" rtl="0" eaLnBrk="1" latinLnBrk="0" hangingPunct="1">
         <a:spcBef>
           <a:spcPct val="20000"/>
         </a:spcBef>
@@ -2845,7 +2930,7 @@
           <a:cs typeface="+mn-cs"/>
         </a:defRPr>
       </a:lvl4pPr>
-      <a:lvl5pPr marL="2057400" indent="-228600" algn="l" defTabSz="914400" rtl="0" eaLnBrk="1" latinLnBrk="0" hangingPunct="1">
+      <a:lvl5pPr marL="2057348" indent="-228594" algn="l" defTabSz="914378" rtl="0" eaLnBrk="1" latinLnBrk="0" hangingPunct="1">
         <a:spcBef>
           <a:spcPct val="20000"/>
         </a:spcBef>
@@ -2860,7 +2945,7 @@
           <a:cs typeface="+mn-cs"/>
         </a:defRPr>
       </a:lvl5pPr>
-      <a:lvl6pPr marL="2514600" indent="-228600" algn="l" defTabSz="914400" rtl="0" eaLnBrk="1" latinLnBrk="0" hangingPunct="1">
+      <a:lvl6pPr marL="2514537" indent="-228594" algn="l" defTabSz="914378" rtl="0" eaLnBrk="1" latinLnBrk="0" hangingPunct="1">
         <a:spcBef>
           <a:spcPct val="20000"/>
         </a:spcBef>
@@ -2875,7 +2960,7 @@
           <a:cs typeface="+mn-cs"/>
         </a:defRPr>
       </a:lvl6pPr>
-      <a:lvl7pPr marL="2971800" indent="-228600" algn="l" defTabSz="914400" rtl="0" eaLnBrk="1" latinLnBrk="0" hangingPunct="1">
+      <a:lvl7pPr marL="2971726" indent="-228594" algn="l" defTabSz="914378" rtl="0" eaLnBrk="1" latinLnBrk="0" hangingPunct="1">
         <a:spcBef>
           <a:spcPct val="20000"/>
         </a:spcBef>
@@ -2890,7 +2975,7 @@
           <a:cs typeface="+mn-cs"/>
         </a:defRPr>
       </a:lvl7pPr>
-      <a:lvl8pPr marL="3429000" indent="-228600" algn="l" defTabSz="914400" rtl="0" eaLnBrk="1" latinLnBrk="0" hangingPunct="1">
+      <a:lvl8pPr marL="3428915" indent="-228594" algn="l" defTabSz="914378" rtl="0" eaLnBrk="1" latinLnBrk="0" hangingPunct="1">
         <a:spcBef>
           <a:spcPct val="20000"/>
         </a:spcBef>
@@ -2905,7 +2990,7 @@
           <a:cs typeface="+mn-cs"/>
         </a:defRPr>
       </a:lvl8pPr>
-      <a:lvl9pPr marL="3886200" indent="-228600" algn="l" defTabSz="914400" rtl="0" eaLnBrk="1" latinLnBrk="0" hangingPunct="1">
+      <a:lvl9pPr marL="3886103" indent="-228594" algn="l" defTabSz="914378" rtl="0" eaLnBrk="1" latinLnBrk="0" hangingPunct="1">
         <a:spcBef>
           <a:spcPct val="20000"/>
         </a:spcBef>
@@ -2925,7 +3010,7 @@
       <a:defPPr>
         <a:defRPr lang="zh-TW"/>
       </a:defPPr>
-      <a:lvl1pPr marL="0" algn="l" defTabSz="914400" rtl="0" eaLnBrk="1" latinLnBrk="0" hangingPunct="1">
+      <a:lvl1pPr marL="0" algn="l" defTabSz="914378" rtl="0" eaLnBrk="1" latinLnBrk="0" hangingPunct="1">
         <a:defRPr sz="1800" kern="1200">
           <a:solidFill>
             <a:schemeClr val="tx1"/>
@@ -2935,7 +3020,7 @@
           <a:cs typeface="+mn-cs"/>
         </a:defRPr>
       </a:lvl1pPr>
-      <a:lvl2pPr marL="457200" algn="l" defTabSz="914400" rtl="0" eaLnBrk="1" latinLnBrk="0" hangingPunct="1">
+      <a:lvl2pPr marL="457189" algn="l" defTabSz="914378" rtl="0" eaLnBrk="1" latinLnBrk="0" hangingPunct="1">
         <a:defRPr sz="1800" kern="1200">
           <a:solidFill>
             <a:schemeClr val="tx1"/>
@@ -2945,7 +3030,7 @@
           <a:cs typeface="+mn-cs"/>
         </a:defRPr>
       </a:lvl2pPr>
-      <a:lvl3pPr marL="914400" algn="l" defTabSz="914400" rtl="0" eaLnBrk="1" latinLnBrk="0" hangingPunct="1">
+      <a:lvl3pPr marL="914378" algn="l" defTabSz="914378" rtl="0" eaLnBrk="1" latinLnBrk="0" hangingPunct="1">
         <a:defRPr sz="1800" kern="1200">
           <a:solidFill>
             <a:schemeClr val="tx1"/>
@@ -2955,7 +3040,7 @@
           <a:cs typeface="+mn-cs"/>
         </a:defRPr>
       </a:lvl3pPr>
-      <a:lvl4pPr marL="1371600" algn="l" defTabSz="914400" rtl="0" eaLnBrk="1" latinLnBrk="0" hangingPunct="1">
+      <a:lvl4pPr marL="1371566" algn="l" defTabSz="914378" rtl="0" eaLnBrk="1" latinLnBrk="0" hangingPunct="1">
         <a:defRPr sz="1800" kern="1200">
           <a:solidFill>
             <a:schemeClr val="tx1"/>
@@ -2965,7 +3050,7 @@
           <a:cs typeface="+mn-cs"/>
         </a:defRPr>
       </a:lvl4pPr>
-      <a:lvl5pPr marL="1828800" algn="l" defTabSz="914400" rtl="0" eaLnBrk="1" latinLnBrk="0" hangingPunct="1">
+      <a:lvl5pPr marL="1828754" algn="l" defTabSz="914378" rtl="0" eaLnBrk="1" latinLnBrk="0" hangingPunct="1">
         <a:defRPr sz="1800" kern="1200">
           <a:solidFill>
             <a:schemeClr val="tx1"/>
@@ -2975,7 +3060,7 @@
           <a:cs typeface="+mn-cs"/>
         </a:defRPr>
       </a:lvl5pPr>
-      <a:lvl6pPr marL="2286000" algn="l" defTabSz="914400" rtl="0" eaLnBrk="1" latinLnBrk="0" hangingPunct="1">
+      <a:lvl6pPr marL="2285943" algn="l" defTabSz="914378" rtl="0" eaLnBrk="1" latinLnBrk="0" hangingPunct="1">
         <a:defRPr sz="1800" kern="1200">
           <a:solidFill>
             <a:schemeClr val="tx1"/>
@@ -2985,7 +3070,7 @@
           <a:cs typeface="+mn-cs"/>
         </a:defRPr>
       </a:lvl6pPr>
-      <a:lvl7pPr marL="2743200" algn="l" defTabSz="914400" rtl="0" eaLnBrk="1" latinLnBrk="0" hangingPunct="1">
+      <a:lvl7pPr marL="2743132" algn="l" defTabSz="914378" rtl="0" eaLnBrk="1" latinLnBrk="0" hangingPunct="1">
         <a:defRPr sz="1800" kern="1200">
           <a:solidFill>
             <a:schemeClr val="tx1"/>
@@ -2995,7 +3080,7 @@
           <a:cs typeface="+mn-cs"/>
         </a:defRPr>
       </a:lvl7pPr>
-      <a:lvl8pPr marL="3200400" algn="l" defTabSz="914400" rtl="0" eaLnBrk="1" latinLnBrk="0" hangingPunct="1">
+      <a:lvl8pPr marL="3200320" algn="l" defTabSz="914378" rtl="0" eaLnBrk="1" latinLnBrk="0" hangingPunct="1">
         <a:defRPr sz="1800" kern="1200">
           <a:solidFill>
             <a:schemeClr val="tx1"/>
@@ -3005,7 +3090,7 @@
           <a:cs typeface="+mn-cs"/>
         </a:defRPr>
       </a:lvl8pPr>
-      <a:lvl9pPr marL="3657600" algn="l" defTabSz="914400" rtl="0" eaLnBrk="1" latinLnBrk="0" hangingPunct="1">
+      <a:lvl9pPr marL="3657509" algn="l" defTabSz="914378" rtl="0" eaLnBrk="1" latinLnBrk="0" hangingPunct="1">
         <a:defRPr sz="1800" kern="1200">
           <a:solidFill>
             <a:schemeClr val="tx1"/>
@@ -3078,7 +3163,7 @@
         </p:nvSpPr>
         <p:spPr>
           <a:xfrm>
-            <a:off x="457200" y="1600200"/>
+            <a:off x="1981200" y="1600200"/>
             <a:ext cx="8229600" cy="5257800"/>
           </a:xfrm>
         </p:spPr>
@@ -3091,12 +3176,65 @@
             <a:pPr algn="ctr">
               <a:buNone/>
             </a:pPr>
+            <a:r>
+              <a:rPr lang="zh-CN" altLang="en-US" sz="5400" b="1" dirty="0">
+                <a:latin typeface="微軟正黑體" pitchFamily="34" charset="-120"/>
+                <a:ea typeface="微軟正黑體" pitchFamily="34" charset="-120"/>
+              </a:rPr>
+              <a:t>耶穌愛</a:t>
+            </a:r>
             <a:r>
               <a:rPr lang="zh-CN" altLang="en-US" sz="5400" b="1" dirty="0" smtClean="0">
                 <a:latin typeface="微軟正黑體" pitchFamily="34" charset="-120"/>
                 <a:ea typeface="微軟正黑體" pitchFamily="34" charset="-120"/>
               </a:rPr>
-              <a:t>耶穌愛你耶穌愛你</a:t>
+              <a:t>你  耶</a:t>
+            </a:r>
+            <a:r>
+              <a:rPr lang="zh-CN" altLang="en-US" sz="5400" b="1" dirty="0">
+                <a:latin typeface="微軟正黑體" pitchFamily="34" charset="-120"/>
+                <a:ea typeface="微軟正黑體" pitchFamily="34" charset="-120"/>
+              </a:rPr>
+              <a:t>穌愛你</a:t>
+            </a:r>
+            <a:endParaRPr lang="en-US" altLang="zh-CN" sz="5400" b="1" dirty="0">
+              <a:latin typeface="微軟正黑體" pitchFamily="34" charset="-120"/>
+              <a:ea typeface="微軟正黑體" pitchFamily="34" charset="-120"/>
+            </a:endParaRPr>
+          </a:p>
+          <a:p>
+            <a:pPr algn="ctr">
+              <a:buNone/>
+            </a:pPr>
+            <a:r>
+              <a:rPr lang="zh-CN" altLang="en-US" sz="5400" b="1" dirty="0">
+                <a:latin typeface="微軟正黑體" pitchFamily="34" charset="-120"/>
+                <a:ea typeface="微軟正黑體" pitchFamily="34" charset="-120"/>
+              </a:rPr>
+              <a:t>耶穌愛你</a:t>
+            </a:r>
+            <a:endParaRPr lang="en-US" altLang="zh-CN" sz="5400" b="1" dirty="0">
+              <a:latin typeface="微軟正黑體" pitchFamily="34" charset="-120"/>
+              <a:ea typeface="微軟正黑體" pitchFamily="34" charset="-120"/>
+            </a:endParaRPr>
+          </a:p>
+          <a:p>
+            <a:pPr algn="ctr">
+              <a:buNone/>
+            </a:pPr>
+            <a:r>
+              <a:rPr lang="zh-CN" altLang="en-US" sz="5400" b="1" dirty="0">
+                <a:latin typeface="微軟正黑體" pitchFamily="34" charset="-120"/>
+                <a:ea typeface="微軟正黑體" pitchFamily="34" charset="-120"/>
+              </a:rPr>
+              <a:t>不要忘</a:t>
+            </a:r>
+            <a:r>
+              <a:rPr lang="zh-CN" altLang="en-US" sz="5400" b="1" dirty="0" smtClean="0">
+                <a:latin typeface="微軟正黑體" pitchFamily="34" charset="-120"/>
+                <a:ea typeface="微軟正黑體" pitchFamily="34" charset="-120"/>
+              </a:rPr>
+              <a:t>記</a:t>
             </a:r>
             <a:endParaRPr lang="en-US" altLang="zh-CN" sz="5400" b="1" dirty="0" smtClean="0">
               <a:latin typeface="微軟正黑體" pitchFamily="34" charset="-120"/>
@@ -3112,25 +3250,30 @@
                 <a:latin typeface="微軟正黑體" pitchFamily="34" charset="-120"/>
                 <a:ea typeface="微軟正黑體" pitchFamily="34" charset="-120"/>
               </a:rPr>
-              <a:t>耶穌愛你</a:t>
-            </a:r>
-            <a:endParaRPr lang="en-US" altLang="zh-CN" sz="5400" b="1" dirty="0" smtClean="0">
-              <a:latin typeface="微軟正黑體" pitchFamily="34" charset="-120"/>
-              <a:ea typeface="微軟正黑體" pitchFamily="34" charset="-120"/>
-            </a:endParaRPr>
-          </a:p>
-          <a:p>
-            <a:pPr algn="ctr">
-              <a:buNone/>
-            </a:pPr>
+              <a:t>基</a:t>
+            </a:r>
+            <a:r>
+              <a:rPr lang="zh-CN" altLang="en-US" sz="5400" b="1" dirty="0">
+                <a:latin typeface="微軟正黑體" pitchFamily="34" charset="-120"/>
+                <a:ea typeface="微軟正黑體" pitchFamily="34" charset="-120"/>
+              </a:rPr>
+              <a:t>督耶</a:t>
+            </a:r>
             <a:r>
               <a:rPr lang="zh-CN" altLang="en-US" sz="5400" b="1" dirty="0" smtClean="0">
                 <a:latin typeface="微軟正黑體" pitchFamily="34" charset="-120"/>
                 <a:ea typeface="微軟正黑體" pitchFamily="34" charset="-120"/>
               </a:rPr>
-              <a:t>不要忘記基督耶穌</a:t>
-            </a:r>
-            <a:endParaRPr lang="en-US" altLang="zh-CN" sz="5400" b="1" dirty="0" smtClean="0">
+              <a:t>穌降</a:t>
+            </a:r>
+            <a:r>
+              <a:rPr lang="zh-CN" altLang="en-US" sz="5400" b="1" dirty="0">
+                <a:latin typeface="微軟正黑體" pitchFamily="34" charset="-120"/>
+                <a:ea typeface="微軟正黑體" pitchFamily="34" charset="-120"/>
+              </a:rPr>
+              <a:t>生爲你</a:t>
+            </a:r>
+            <a:endParaRPr lang="en-US" altLang="zh-CN" sz="5400" b="1" dirty="0">
               <a:latin typeface="微軟正黑體" pitchFamily="34" charset="-120"/>
               <a:ea typeface="微軟正黑體" pitchFamily="34" charset="-120"/>
             </a:endParaRPr>
@@ -3140,37 +3283,21 @@
               <a:buNone/>
             </a:pPr>
             <a:r>
-              <a:rPr lang="zh-CN" altLang="en-US" sz="5400" b="1" dirty="0" smtClean="0">
-                <a:latin typeface="微軟正黑體" pitchFamily="34" charset="-120"/>
-                <a:ea typeface="微軟正黑體" pitchFamily="34" charset="-120"/>
-              </a:rPr>
-              <a:t>降生爲你</a:t>
-            </a:r>
-            <a:endParaRPr lang="en-US" altLang="zh-CN" sz="5400" b="1" dirty="0" smtClean="0">
-              <a:latin typeface="微軟正黑體" pitchFamily="34" charset="-120"/>
-              <a:ea typeface="微軟正黑體" pitchFamily="34" charset="-120"/>
-            </a:endParaRPr>
-          </a:p>
-          <a:p>
-            <a:pPr algn="ctr">
-              <a:buNone/>
-            </a:pPr>
-            <a:r>
-              <a:rPr lang="zh-CN" altLang="en-US" sz="5400" b="1" dirty="0" smtClean="0">
+              <a:rPr lang="zh-CN" altLang="en-US" sz="5400" b="1" dirty="0">
                 <a:latin typeface="微軟正黑體" pitchFamily="34" charset="-120"/>
                 <a:ea typeface="微軟正黑體" pitchFamily="34" charset="-120"/>
               </a:rPr>
               <a:t>（</a:t>
             </a:r>
             <a:r>
-              <a:rPr lang="en-US" altLang="zh-CN" sz="5400" b="1" dirty="0" smtClean="0">
+              <a:rPr lang="en-US" altLang="zh-CN" sz="5400" b="1" dirty="0">
                 <a:latin typeface="微軟正黑體" pitchFamily="34" charset="-120"/>
                 <a:ea typeface="微軟正黑體" pitchFamily="34" charset="-120"/>
               </a:rPr>
               <a:t>x2</a:t>
             </a:r>
             <a:r>
-              <a:rPr lang="zh-CN" altLang="en-US" sz="5400" b="1" dirty="0" smtClean="0">
+              <a:rPr lang="zh-CN" altLang="en-US" sz="5400" b="1" dirty="0">
                 <a:latin typeface="微軟正黑體" pitchFamily="34" charset="-120"/>
                 <a:ea typeface="微軟正黑體" pitchFamily="34" charset="-120"/>
               </a:rPr>
@@ -3256,7 +3383,7 @@
         </p:nvSpPr>
         <p:spPr>
           <a:xfrm>
-            <a:off x="457200" y="1600200"/>
+            <a:off x="1981200" y="1600200"/>
             <a:ext cx="8229600" cy="5257800"/>
           </a:xfrm>
         </p:spPr>
@@ -3269,14 +3396,44 @@
             <a:pPr algn="ctr">
               <a:buNone/>
             </a:pPr>
+            <a:r>
+              <a:rPr lang="zh-CN" altLang="en-US" sz="5400" b="1" dirty="0">
+                <a:latin typeface="微軟正黑體" pitchFamily="34" charset="-120"/>
+                <a:ea typeface="微軟正黑體" pitchFamily="34" charset="-120"/>
+              </a:rPr>
+              <a:t>祂生在馬槽里</a:t>
+            </a:r>
+            <a:endParaRPr lang="en-US" altLang="zh-CN" sz="5400" b="1" dirty="0">
+              <a:latin typeface="微軟正黑體" pitchFamily="34" charset="-120"/>
+              <a:ea typeface="微軟正黑體" pitchFamily="34" charset="-120"/>
+            </a:endParaRPr>
+          </a:p>
+          <a:p>
+            <a:pPr algn="ctr">
+              <a:buNone/>
+            </a:pPr>
+            <a:r>
+              <a:rPr lang="zh-CN" altLang="en-US" sz="5400" b="1" dirty="0">
+                <a:latin typeface="微軟正黑體" pitchFamily="34" charset="-120"/>
+                <a:ea typeface="微軟正黑體" pitchFamily="34" charset="-120"/>
+              </a:rPr>
+              <a:t>捨</a:t>
+            </a:r>
             <a:r>
               <a:rPr lang="zh-CN" altLang="en-US" sz="5400" b="1" dirty="0" smtClean="0">
                 <a:latin typeface="微軟正黑體" pitchFamily="34" charset="-120"/>
                 <a:ea typeface="微軟正黑體" pitchFamily="34" charset="-120"/>
               </a:rPr>
-              <a:t>祂生在馬槽里</a:t>
-            </a:r>
-            <a:endParaRPr lang="en-US" altLang="zh-CN" sz="5400" b="1" dirty="0" smtClean="0">
+              <a:t>尊貴來</a:t>
+            </a:r>
+            <a:r>
+              <a:rPr lang="zh-CN" altLang="en-US" sz="5400" b="1" dirty="0">
+                <a:latin typeface="微軟正黑體" pitchFamily="34" charset="-120"/>
+                <a:ea typeface="微軟正黑體" pitchFamily="34" charset="-120"/>
+              </a:rPr>
+              <a:t>救你</a:t>
+            </a:r>
+            <a:endParaRPr lang="en-US" altLang="zh-CN" sz="5400" b="1" dirty="0">
               <a:latin typeface="微軟正黑體" pitchFamily="34" charset="-120"/>
               <a:ea typeface="微軟正黑體" pitchFamily="34" charset="-120"/>
             </a:endParaRPr>
@@ -3286,29 +3443,13 @@
               <a:buNone/>
             </a:pPr>
             <a:r>
-              <a:rPr lang="zh-CN" altLang="en-US" sz="5400" b="1" dirty="0" smtClean="0">
-                <a:latin typeface="微軟正黑體" pitchFamily="34" charset="-120"/>
-                <a:ea typeface="微軟正黑體" pitchFamily="34" charset="-120"/>
-              </a:rPr>
-              <a:t>舍尊貴來救你</a:t>
-            </a:r>
-            <a:endParaRPr lang="en-US" altLang="zh-CN" sz="5400" b="1" dirty="0" smtClean="0">
-              <a:latin typeface="微軟正黑體" pitchFamily="34" charset="-120"/>
-              <a:ea typeface="微軟正黑體" pitchFamily="34" charset="-120"/>
-            </a:endParaRPr>
-          </a:p>
-          <a:p>
-            <a:pPr algn="ctr">
-              <a:buNone/>
-            </a:pPr>
-            <a:r>
-              <a:rPr lang="zh-CN" altLang="en-US" sz="5400" b="1" dirty="0" smtClean="0">
+              <a:rPr lang="zh-CN" altLang="en-US" sz="5400" b="1" dirty="0">
                 <a:latin typeface="微軟正黑體" pitchFamily="34" charset="-120"/>
                 <a:ea typeface="微軟正黑體" pitchFamily="34" charset="-120"/>
               </a:rPr>
               <a:t>我們的一切過犯</a:t>
             </a:r>
-            <a:endParaRPr lang="en-US" altLang="zh-CN" sz="5400" b="1" dirty="0" smtClean="0">
+            <a:endParaRPr lang="en-US" altLang="zh-CN" sz="5400" b="1" dirty="0">
               <a:latin typeface="微軟正黑體" pitchFamily="34" charset="-120"/>
               <a:ea typeface="微軟正黑體" pitchFamily="34" charset="-120"/>
             </a:endParaRPr>
@@ -3318,7 +3459,7 @@
               <a:buNone/>
             </a:pPr>
             <a:r>
-              <a:rPr lang="zh-CN" altLang="en-US" sz="5400" b="1" dirty="0" smtClean="0">
+              <a:rPr lang="zh-CN" altLang="en-US" sz="5400" b="1" dirty="0">
                 <a:latin typeface="微軟正黑體" pitchFamily="34" charset="-120"/>
                 <a:ea typeface="微軟正黑體" pitchFamily="34" charset="-120"/>
               </a:rPr>
@@ -3404,7 +3545,7 @@
         </p:nvSpPr>
         <p:spPr>
           <a:xfrm>
-            <a:off x="457200" y="1600200"/>
+            <a:off x="1981200" y="1600200"/>
             <a:ext cx="8229600" cy="5257800"/>
           </a:xfrm>
         </p:spPr>
@@ -3418,13 +3559,13 @@
               <a:buNone/>
             </a:pPr>
             <a:r>
-              <a:rPr lang="zh-CN" altLang="en-US" sz="5400" b="1" dirty="0" smtClean="0">
+              <a:rPr lang="zh-CN" altLang="en-US" sz="5400" b="1" dirty="0">
                 <a:latin typeface="微軟正黑體" pitchFamily="34" charset="-120"/>
                 <a:ea typeface="微軟正黑體" pitchFamily="34" charset="-120"/>
               </a:rPr>
               <a:t>耶穌愛你耶穌愛你</a:t>
             </a:r>
-            <a:endParaRPr lang="en-US" altLang="zh-CN" sz="5400" b="1" dirty="0" smtClean="0">
+            <a:endParaRPr lang="en-US" altLang="zh-CN" sz="5400" b="1" dirty="0">
               <a:latin typeface="微軟正黑體" pitchFamily="34" charset="-120"/>
               <a:ea typeface="微軟正黑體" pitchFamily="34" charset="-120"/>
             </a:endParaRPr>
@@ -3434,13 +3575,13 @@
               <a:buNone/>
             </a:pPr>
             <a:r>
-              <a:rPr lang="zh-CN" altLang="en-US" sz="5400" b="1" dirty="0" smtClean="0">
+              <a:rPr lang="zh-CN" altLang="en-US" sz="5400" b="1" dirty="0">
                 <a:latin typeface="微軟正黑體" pitchFamily="34" charset="-120"/>
                 <a:ea typeface="微軟正黑體" pitchFamily="34" charset="-120"/>
               </a:rPr>
               <a:t>耶穌愛你</a:t>
             </a:r>
-            <a:endParaRPr lang="en-US" altLang="zh-CN" sz="5400" b="1" dirty="0" smtClean="0">
+            <a:endParaRPr lang="en-US" altLang="zh-CN" sz="5400" b="1" dirty="0">
               <a:latin typeface="微軟正黑體" pitchFamily="34" charset="-120"/>
               <a:ea typeface="微軟正黑體" pitchFamily="34" charset="-120"/>
             </a:endParaRPr>
@@ -3450,13 +3591,13 @@
               <a:buNone/>
             </a:pPr>
             <a:r>
-              <a:rPr lang="zh-CN" altLang="en-US" sz="5400" b="1" dirty="0" smtClean="0">
+              <a:rPr lang="zh-CN" altLang="en-US" sz="5400" b="1" dirty="0">
                 <a:latin typeface="微軟正黑體" pitchFamily="34" charset="-120"/>
                 <a:ea typeface="微軟正黑體" pitchFamily="34" charset="-120"/>
               </a:rPr>
               <a:t>不要忘記基督耶穌</a:t>
             </a:r>
-            <a:endParaRPr lang="en-US" altLang="zh-CN" sz="5400" b="1" dirty="0" smtClean="0">
+            <a:endParaRPr lang="en-US" altLang="zh-CN" sz="5400" b="1" dirty="0">
               <a:latin typeface="微軟正黑體" pitchFamily="34" charset="-120"/>
               <a:ea typeface="微軟正黑體" pitchFamily="34" charset="-120"/>
             </a:endParaRPr>
@@ -3466,20 +3607,20 @@
               <a:buNone/>
             </a:pPr>
             <a:r>
-              <a:rPr lang="zh-CN" altLang="en-US" sz="5400" b="1" dirty="0" smtClean="0">
+              <a:rPr lang="zh-CN" altLang="en-US" sz="5400" b="1" dirty="0">
                 <a:latin typeface="微軟正黑體" pitchFamily="34" charset="-120"/>
                 <a:ea typeface="微軟正黑體" pitchFamily="34" charset="-120"/>
               </a:rPr>
               <a:t>降生</a:t>
             </a:r>
             <a:r>
-              <a:rPr lang="zh-CN" altLang="en-US" sz="5400" b="1" smtClean="0">
+              <a:rPr lang="zh-CN" altLang="en-US" sz="5400" b="1">
                 <a:latin typeface="微軟正黑體" pitchFamily="34" charset="-120"/>
                 <a:ea typeface="微軟正黑體" pitchFamily="34" charset="-120"/>
               </a:rPr>
               <a:t>爲你</a:t>
             </a:r>
-            <a:endParaRPr lang="en-US" altLang="zh-CN" sz="5400" b="1" dirty="0" smtClean="0">
+            <a:endParaRPr lang="en-US" altLang="zh-CN" sz="5400" b="1" dirty="0">
               <a:latin typeface="微軟正黑體" pitchFamily="34" charset="-120"/>
               <a:ea typeface="微軟正黑體" pitchFamily="34" charset="-120"/>
             </a:endParaRPr>
@@ -3502,7 +3643,7 @@
 </file>
 
 <file path=ppt/theme/theme1.xml><?xml version="1.0" encoding="utf-8"?>
-<a:theme xmlns:a="http://schemas.openxmlformats.org/drawingml/2006/main" name="Office 佈景主題">
+<a:theme xmlns:a="http://schemas.openxmlformats.org/drawingml/2006/main" name="Theme1">
   <a:themeElements>
     <a:clrScheme name="Office">
       <a:dk1>
@@ -3781,5 +3922,10 @@
   </a:themeElements>
   <a:objectDefaults/>
   <a:extraClrSchemeLst/>
+  <a:extLst>
+    <a:ext uri="{05A4C25C-085E-4340-85A3-A5531E510DB2}">
+      <thm15:themeFamily xmlns:thm15="http://schemas.microsoft.com/office/thememl/2012/main" name="Theme1" id="{1A8DE197-990E-4893-BF04-3823FBB50F9A}" vid="{430B7048-5A04-4BDB-939A-C7E865DB887B}"/>
+    </a:ext>
+  </a:extLst>
 </a:theme>
 </file>
--- a/耶穌愛你_version2.pptx
+++ b/耶穌愛你_version2.pptx
@@ -306,7 +306,7 @@
           <a:p>
             <a:fld id="{EB320EF2-FA3C-443D-80BF-461CEB4436F5}" type="datetimeFigureOut">
               <a:rPr lang="zh-TW" altLang="en-US" smtClean="0"/>
-              <a:t>2021/12/15</a:t>
+              <a:t>2021/12/25</a:t>
             </a:fld>
             <a:endParaRPr lang="zh-TW" altLang="en-US"/>
           </a:p>
@@ -476,7 +476,7 @@
           <a:p>
             <a:fld id="{EB320EF2-FA3C-443D-80BF-461CEB4436F5}" type="datetimeFigureOut">
               <a:rPr lang="zh-TW" altLang="en-US" smtClean="0"/>
-              <a:t>2021/12/15</a:t>
+              <a:t>2021/12/25</a:t>
             </a:fld>
             <a:endParaRPr lang="zh-TW" altLang="en-US"/>
           </a:p>
@@ -656,7 +656,7 @@
           <a:p>
             <a:fld id="{EB320EF2-FA3C-443D-80BF-461CEB4436F5}" type="datetimeFigureOut">
               <a:rPr lang="zh-TW" altLang="en-US" smtClean="0"/>
-              <a:t>2021/12/15</a:t>
+              <a:t>2021/12/25</a:t>
             </a:fld>
             <a:endParaRPr lang="zh-TW" altLang="en-US"/>
           </a:p>
@@ -826,7 +826,7 @@
           <a:p>
             <a:fld id="{EB320EF2-FA3C-443D-80BF-461CEB4436F5}" type="datetimeFigureOut">
               <a:rPr lang="zh-TW" altLang="en-US" smtClean="0"/>
-              <a:t>2021/12/15</a:t>
+              <a:t>2021/12/25</a:t>
             </a:fld>
             <a:endParaRPr lang="zh-TW" altLang="en-US"/>
           </a:p>
@@ -1072,7 +1072,7 @@
           <a:p>
             <a:fld id="{EB320EF2-FA3C-443D-80BF-461CEB4436F5}" type="datetimeFigureOut">
               <a:rPr lang="zh-TW" altLang="en-US" smtClean="0"/>
-              <a:t>2021/12/15</a:t>
+              <a:t>2021/12/25</a:t>
             </a:fld>
             <a:endParaRPr lang="zh-TW" altLang="en-US"/>
           </a:p>
@@ -1360,7 +1360,7 @@
           <a:p>
             <a:fld id="{EB320EF2-FA3C-443D-80BF-461CEB4436F5}" type="datetimeFigureOut">
               <a:rPr lang="zh-TW" altLang="en-US" smtClean="0"/>
-              <a:t>2021/12/15</a:t>
+              <a:t>2021/12/25</a:t>
             </a:fld>
             <a:endParaRPr lang="zh-TW" altLang="en-US"/>
           </a:p>
@@ -1782,7 +1782,7 @@
           <a:p>
             <a:fld id="{EB320EF2-FA3C-443D-80BF-461CEB4436F5}" type="datetimeFigureOut">
               <a:rPr lang="zh-TW" altLang="en-US" smtClean="0"/>
-              <a:t>2021/12/15</a:t>
+              <a:t>2021/12/25</a:t>
             </a:fld>
             <a:endParaRPr lang="zh-TW" altLang="en-US"/>
           </a:p>
@@ -1900,7 +1900,7 @@
           <a:p>
             <a:fld id="{EB320EF2-FA3C-443D-80BF-461CEB4436F5}" type="datetimeFigureOut">
               <a:rPr lang="zh-TW" altLang="en-US" smtClean="0"/>
-              <a:t>2021/12/15</a:t>
+              <a:t>2021/12/25</a:t>
             </a:fld>
             <a:endParaRPr lang="zh-TW" altLang="en-US"/>
           </a:p>
@@ -1995,7 +1995,7 @@
           <a:p>
             <a:fld id="{EB320EF2-FA3C-443D-80BF-461CEB4436F5}" type="datetimeFigureOut">
               <a:rPr lang="zh-TW" altLang="en-US" smtClean="0"/>
-              <a:t>2021/12/15</a:t>
+              <a:t>2021/12/25</a:t>
             </a:fld>
             <a:endParaRPr lang="zh-TW" altLang="en-US"/>
           </a:p>
@@ -2272,7 +2272,7 @@
           <a:p>
             <a:fld id="{EB320EF2-FA3C-443D-80BF-461CEB4436F5}" type="datetimeFigureOut">
               <a:rPr lang="zh-TW" altLang="en-US" smtClean="0"/>
-              <a:t>2021/12/15</a:t>
+              <a:t>2021/12/25</a:t>
             </a:fld>
             <a:endParaRPr lang="zh-TW" altLang="en-US"/>
           </a:p>
@@ -2529,7 +2529,7 @@
           <a:p>
             <a:fld id="{EB320EF2-FA3C-443D-80BF-461CEB4436F5}" type="datetimeFigureOut">
               <a:rPr lang="zh-TW" altLang="en-US" smtClean="0"/>
-              <a:t>2021/12/15</a:t>
+              <a:t>2021/12/25</a:t>
             </a:fld>
             <a:endParaRPr lang="zh-TW" altLang="en-US"/>
           </a:p>
@@ -2747,7 +2747,7 @@
           <a:p>
             <a:fld id="{EB320EF2-FA3C-443D-80BF-461CEB4436F5}" type="datetimeFigureOut">
               <a:rPr lang="zh-TW" altLang="en-US" smtClean="0"/>
-              <a:t>2021/12/15</a:t>
+              <a:t>2021/12/25</a:t>
             </a:fld>
             <a:endParaRPr lang="zh-TW" altLang="en-US"/>
           </a:p>
@@ -3595,9 +3595,16 @@
                 <a:latin typeface="微軟正黑體" pitchFamily="34" charset="-120"/>
                 <a:ea typeface="微軟正黑體" pitchFamily="34" charset="-120"/>
               </a:rPr>
-              <a:t>不要忘記基督耶穌</a:t>
-            </a:r>
-            <a:endParaRPr lang="en-US" altLang="zh-CN" sz="5400" b="1" dirty="0">
+              <a:t>不要忘</a:t>
+            </a:r>
+            <a:r>
+              <a:rPr lang="zh-CN" altLang="en-US" sz="5400" b="1" dirty="0" smtClean="0">
+                <a:latin typeface="微軟正黑體" pitchFamily="34" charset="-120"/>
+                <a:ea typeface="微軟正黑體" pitchFamily="34" charset="-120"/>
+              </a:rPr>
+              <a:t>記</a:t>
+            </a:r>
+            <a:endParaRPr lang="en-US" altLang="zh-CN" sz="5400" b="1" dirty="0" smtClean="0">
               <a:latin typeface="微軟正黑體" pitchFamily="34" charset="-120"/>
               <a:ea typeface="微軟正黑體" pitchFamily="34" charset="-120"/>
             </a:endParaRPr>
@@ -3606,19 +3613,33 @@
             <a:pPr algn="ctr">
               <a:buNone/>
             </a:pPr>
+            <a:r>
+              <a:rPr lang="zh-CN" altLang="en-US" sz="5400" b="1" dirty="0" smtClean="0">
+                <a:latin typeface="微軟正黑體" pitchFamily="34" charset="-120"/>
+                <a:ea typeface="微軟正黑體" pitchFamily="34" charset="-120"/>
+              </a:rPr>
+              <a:t>基</a:t>
+            </a:r>
             <a:r>
               <a:rPr lang="zh-CN" altLang="en-US" sz="5400" b="1" dirty="0">
                 <a:latin typeface="微軟正黑體" pitchFamily="34" charset="-120"/>
                 <a:ea typeface="微軟正黑體" pitchFamily="34" charset="-120"/>
               </a:rPr>
-              <a:t>降生</a:t>
-            </a:r>
-            <a:r>
-              <a:rPr lang="zh-CN" altLang="en-US" sz="5400" b="1">
+              <a:t>督耶</a:t>
+            </a:r>
+            <a:r>
+              <a:rPr lang="zh-CN" altLang="en-US" sz="5400" b="1" dirty="0" smtClean="0">
                 <a:latin typeface="微軟正黑體" pitchFamily="34" charset="-120"/>
                 <a:ea typeface="微軟正黑體" pitchFamily="34" charset="-120"/>
               </a:rPr>
-              <a:t>爲你</a:t>
+              <a:t>穌降</a:t>
+            </a:r>
+            <a:r>
+              <a:rPr lang="zh-CN" altLang="en-US" sz="5400" b="1" dirty="0">
+                <a:latin typeface="微軟正黑體" pitchFamily="34" charset="-120"/>
+                <a:ea typeface="微軟正黑體" pitchFamily="34" charset="-120"/>
+              </a:rPr>
+              <a:t>生爲你</a:t>
             </a:r>
             <a:endParaRPr lang="en-US" altLang="zh-CN" sz="5400" b="1" dirty="0">
               <a:latin typeface="微軟正黑體" pitchFamily="34" charset="-120"/>
